--- a/document/PHTV BUS ONLINE TICKET.pptx
+++ b/document/PHTV BUS ONLINE TICKET.pptx
@@ -1,21 +1,21 @@
 
 <file path=ppt/presentation.xml><?xml version="1.0" encoding="utf-8"?>
-<p:presentation xmlns:a="http://schemas.openxmlformats.org/drawingml/2006/main" xmlns:r="http://schemas.openxmlformats.org/officeDocument/2006/relationships" xmlns:p="http://schemas.openxmlformats.org/presentationml/2006/main" saveSubsetFonts="1">
+<p:presentation xmlns:a="http://schemas.openxmlformats.org/drawingml/2006/main" xmlns:r="http://schemas.openxmlformats.org/officeDocument/2006/relationships" xmlns:p="http://schemas.openxmlformats.org/presentationml/2006/main">
   <p:sldMasterIdLst>
     <p:sldMasterId id="2147483648" r:id="rId1"/>
   </p:sldMasterIdLst>
   <p:notesMasterIdLst>
-    <p:notesMasterId r:id="rId10"/>
+    <p:notesMasterId r:id="rId11"/>
   </p:notesMasterIdLst>
   <p:sldIdLst>
-    <p:sldId id="256" r:id="rId2"/>
-    <p:sldId id="257" r:id="rId3"/>
-    <p:sldId id="264" r:id="rId4"/>
-    <p:sldId id="267" r:id="rId5"/>
-    <p:sldId id="268" r:id="rId6"/>
-    <p:sldId id="266" r:id="rId7"/>
-    <p:sldId id="265" r:id="rId8"/>
-    <p:sldId id="263" r:id="rId9"/>
+    <p:sldId id="256" r:id="rId3"/>
+    <p:sldId id="257" r:id="rId4"/>
+    <p:sldId id="264" r:id="rId5"/>
+    <p:sldId id="267" r:id="rId6"/>
+    <p:sldId id="268" r:id="rId7"/>
+    <p:sldId id="266" r:id="rId8"/>
+    <p:sldId id="265" r:id="rId9"/>
+    <p:sldId id="263" r:id="rId10"/>
   </p:sldIdLst>
   <p:sldSz cx="12192000" cy="6858000"/>
   <p:notesSz cx="6858000" cy="9144000"/>
@@ -114,11 +114,6 @@
       </a:defRPr>
     </a:lvl9pPr>
   </p:defaultTextStyle>
-  <p:extLst>
-    <p:ext uri="{EFAFB233-063F-42B5-8137-9DF3F51BA10A}">
-      <p15:sldGuideLst xmlns:p15="http://schemas.microsoft.com/office/powerpoint/2012/main"/>
-    </p:ext>
-  </p:extLst>
 </p:presentation>
 </file>
 
@@ -204,7 +199,6 @@
           <a:p>
             <a:fld id="{AC55F3CF-3DAF-4895-A92D-99EB8E0EAE90}" type="datetimeFigureOut">
               <a:rPr lang="en-US" smtClean="0"/>
-              <a:t>01/02/2024</a:t>
             </a:fld>
             <a:endParaRPr lang="en-US"/>
           </a:p>
@@ -271,6 +265,7 @@
               <a:rPr lang="en-US"/>
               <a:t>Click to edit Master text styles</a:t>
             </a:r>
+            <a:endParaRPr lang="en-US"/>
           </a:p>
           <a:p>
             <a:pPr lvl="1"/>
@@ -278,6 +273,7 @@
               <a:rPr lang="en-US"/>
               <a:t>Second level</a:t>
             </a:r>
+            <a:endParaRPr lang="en-US"/>
           </a:p>
           <a:p>
             <a:pPr lvl="2"/>
@@ -285,6 +281,7 @@
               <a:rPr lang="en-US"/>
               <a:t>Third level</a:t>
             </a:r>
+            <a:endParaRPr lang="en-US"/>
           </a:p>
           <a:p>
             <a:pPr lvl="3"/>
@@ -292,6 +289,7 @@
               <a:rPr lang="en-US"/>
               <a:t>Fourth level</a:t>
             </a:r>
+            <a:endParaRPr lang="en-US"/>
           </a:p>
           <a:p>
             <a:pPr lvl="4"/>
@@ -299,6 +297,7 @@
               <a:rPr lang="en-US"/>
               <a:t>Fifth level</a:t>
             </a:r>
+            <a:endParaRPr lang="en-US"/>
           </a:p>
         </p:txBody>
       </p:sp>
@@ -362,18 +361,12 @@
           <a:p>
             <a:fld id="{4033E059-9E3B-40A2-B87A-DCD5010B97BF}" type="slidenum">
               <a:rPr lang="en-US" smtClean="0"/>
-              <a:t>‹#›</a:t>
             </a:fld>
             <a:endParaRPr lang="en-US"/>
           </a:p>
         </p:txBody>
       </p:sp>
     </p:spTree>
-    <p:extLst>
-      <p:ext uri="{BB962C8B-B14F-4D97-AF65-F5344CB8AC3E}">
-        <p14:creationId xmlns:p14="http://schemas.microsoft.com/office/powerpoint/2010/main" val="1126310927"/>
-      </p:ext>
-    </p:extLst>
   </p:cSld>
   <p:clrMap bg1="lt1" tx1="dk1" bg2="lt2" tx2="dk2" accent1="accent1" accent2="accent2" accent3="accent3" accent4="accent4" accent5="accent5" accent6="accent6" hlink="hlink" folHlink="folHlink"/>
   <p:notesStyle>
@@ -490,13 +483,7 @@
       </p:grpSpPr>
       <p:sp>
         <p:nvSpPr>
-          <p:cNvPr id="2" name="Title 1">
-            <a:extLst>
-              <a:ext uri="{FF2B5EF4-FFF2-40B4-BE49-F238E27FC236}">
-                <a16:creationId xmlns:a16="http://schemas.microsoft.com/office/drawing/2014/main" id="{0A7FACB8-F28A-FB65-E6E8-04BA97D19A7D}"/>
-              </a:ext>
-            </a:extLst>
-          </p:cNvPr>
+          <p:cNvPr id="2" name="Title 1"/>
           <p:cNvSpPr>
             <a:spLocks noGrp="1"/>
           </p:cNvSpPr>
@@ -522,18 +509,13 @@
               <a:rPr lang="en-US"/>
               <a:t>Click to edit Master title style</a:t>
             </a:r>
-          </a:p>
-        </p:txBody>
-      </p:sp>
-      <p:sp>
-        <p:nvSpPr>
-          <p:cNvPr id="3" name="Subtitle 2">
-            <a:extLst>
-              <a:ext uri="{FF2B5EF4-FFF2-40B4-BE49-F238E27FC236}">
-                <a16:creationId xmlns:a16="http://schemas.microsoft.com/office/drawing/2014/main" id="{211921F4-BFE4-EF67-1EE5-432C1D4577E2}"/>
-              </a:ext>
-            </a:extLst>
-          </p:cNvPr>
+            <a:endParaRPr lang="en-US"/>
+          </a:p>
+        </p:txBody>
+      </p:sp>
+      <p:sp>
+        <p:nvSpPr>
+          <p:cNvPr id="3" name="Subtitle 2"/>
           <p:cNvSpPr>
             <a:spLocks noGrp="1"/>
           </p:cNvSpPr>
@@ -592,18 +574,13 @@
               <a:rPr lang="en-US"/>
               <a:t>Click to edit Master subtitle style</a:t>
             </a:r>
-          </a:p>
-        </p:txBody>
-      </p:sp>
-      <p:sp>
-        <p:nvSpPr>
-          <p:cNvPr id="4" name="Date Placeholder 3">
-            <a:extLst>
-              <a:ext uri="{FF2B5EF4-FFF2-40B4-BE49-F238E27FC236}">
-                <a16:creationId xmlns:a16="http://schemas.microsoft.com/office/drawing/2014/main" id="{57D70EE5-A179-74A9-4297-48814B540AF4}"/>
-              </a:ext>
-            </a:extLst>
-          </p:cNvPr>
+            <a:endParaRPr lang="en-US"/>
+          </a:p>
+        </p:txBody>
+      </p:sp>
+      <p:sp>
+        <p:nvSpPr>
+          <p:cNvPr id="4" name="Date Placeholder 3"/>
           <p:cNvSpPr>
             <a:spLocks noGrp="1"/>
           </p:cNvSpPr>
@@ -618,7 +595,6 @@
           <a:p>
             <a:fld id="{FBC5AFB7-B064-4C5B-8400-461C6FACE78A}" type="datetimeFigureOut">
               <a:rPr lang="en-US" smtClean="0"/>
-              <a:t>01/02/2024</a:t>
             </a:fld>
             <a:endParaRPr lang="en-US"/>
           </a:p>
@@ -626,13 +602,7 @@
       </p:sp>
       <p:sp>
         <p:nvSpPr>
-          <p:cNvPr id="5" name="Footer Placeholder 4">
-            <a:extLst>
-              <a:ext uri="{FF2B5EF4-FFF2-40B4-BE49-F238E27FC236}">
-                <a16:creationId xmlns:a16="http://schemas.microsoft.com/office/drawing/2014/main" id="{4B4677F3-5A64-CA65-06D6-F90A5780D8BF}"/>
-              </a:ext>
-            </a:extLst>
-          </p:cNvPr>
+          <p:cNvPr id="5" name="Footer Placeholder 4"/>
           <p:cNvSpPr>
             <a:spLocks noGrp="1"/>
           </p:cNvSpPr>
@@ -651,13 +621,7 @@
       </p:sp>
       <p:sp>
         <p:nvSpPr>
-          <p:cNvPr id="6" name="Slide Number Placeholder 5">
-            <a:extLst>
-              <a:ext uri="{FF2B5EF4-FFF2-40B4-BE49-F238E27FC236}">
-                <a16:creationId xmlns:a16="http://schemas.microsoft.com/office/drawing/2014/main" id="{5F6B1DAF-F725-A558-6654-B21E1681B486}"/>
-              </a:ext>
-            </a:extLst>
-          </p:cNvPr>
+          <p:cNvPr id="6" name="Slide Number Placeholder 5"/>
           <p:cNvSpPr>
             <a:spLocks noGrp="1"/>
           </p:cNvSpPr>
@@ -672,22 +636,28 @@
           <a:p>
             <a:fld id="{3A3E06B9-8B3A-478A-9696-AB8C508979CC}" type="slidenum">
               <a:rPr lang="en-US" smtClean="0"/>
-              <a:t>‹#›</a:t>
             </a:fld>
             <a:endParaRPr lang="en-US"/>
           </a:p>
         </p:txBody>
       </p:sp>
     </p:spTree>
-    <p:extLst>
-      <p:ext uri="{BB962C8B-B14F-4D97-AF65-F5344CB8AC3E}">
-        <p14:creationId xmlns:p14="http://schemas.microsoft.com/office/powerpoint/2010/main" val="779487053"/>
-      </p:ext>
-    </p:extLst>
   </p:cSld>
   <p:clrMapOvr>
     <a:masterClrMapping/>
   </p:clrMapOvr>
+  <mc:AlternateContent xmlns:mc="http://schemas.openxmlformats.org/markup-compatibility/2006">
+    <mc:Choice xmlns:p14="http://schemas.microsoft.com/office/powerpoint/2010/main" Requires="p14">
+      <p:transition spd="slow" p14:dur="1000">
+        <p:push dir="u"/>
+      </p:transition>
+    </mc:Choice>
+    <mc:Fallback>
+      <p:transition spd="slow">
+        <p:push dir="u"/>
+      </p:transition>
+    </mc:Fallback>
+  </mc:AlternateContent>
 </p:sldLayout>
 </file>
 
@@ -710,13 +680,7 @@
       </p:grpSpPr>
       <p:sp>
         <p:nvSpPr>
-          <p:cNvPr id="2" name="Title 1">
-            <a:extLst>
-              <a:ext uri="{FF2B5EF4-FFF2-40B4-BE49-F238E27FC236}">
-                <a16:creationId xmlns:a16="http://schemas.microsoft.com/office/drawing/2014/main" id="{A35637F9-F1ED-3998-A270-B4F9837FC163}"/>
-              </a:ext>
-            </a:extLst>
-          </p:cNvPr>
+          <p:cNvPr id="2" name="Title 1"/>
           <p:cNvSpPr>
             <a:spLocks noGrp="1"/>
           </p:cNvSpPr>
@@ -733,18 +697,13 @@
               <a:rPr lang="en-US"/>
               <a:t>Click to edit Master title style</a:t>
             </a:r>
-          </a:p>
-        </p:txBody>
-      </p:sp>
-      <p:sp>
-        <p:nvSpPr>
-          <p:cNvPr id="3" name="Vertical Text Placeholder 2">
-            <a:extLst>
-              <a:ext uri="{FF2B5EF4-FFF2-40B4-BE49-F238E27FC236}">
-                <a16:creationId xmlns:a16="http://schemas.microsoft.com/office/drawing/2014/main" id="{D2896970-823B-616B-1FE4-C8759096409D}"/>
-              </a:ext>
-            </a:extLst>
-          </p:cNvPr>
+            <a:endParaRPr lang="en-US"/>
+          </a:p>
+        </p:txBody>
+      </p:sp>
+      <p:sp>
+        <p:nvSpPr>
+          <p:cNvPr id="3" name="Vertical Text Placeholder 2"/>
           <p:cNvSpPr>
             <a:spLocks noGrp="1"/>
           </p:cNvSpPr>
@@ -762,6 +721,7 @@
               <a:rPr lang="en-US"/>
               <a:t>Click to edit Master text styles</a:t>
             </a:r>
+            <a:endParaRPr lang="en-US"/>
           </a:p>
           <a:p>
             <a:pPr lvl="1"/>
@@ -769,6 +729,7 @@
               <a:rPr lang="en-US"/>
               <a:t>Second level</a:t>
             </a:r>
+            <a:endParaRPr lang="en-US"/>
           </a:p>
           <a:p>
             <a:pPr lvl="2"/>
@@ -776,6 +737,7 @@
               <a:rPr lang="en-US"/>
               <a:t>Third level</a:t>
             </a:r>
+            <a:endParaRPr lang="en-US"/>
           </a:p>
           <a:p>
             <a:pPr lvl="3"/>
@@ -783,6 +745,7 @@
               <a:rPr lang="en-US"/>
               <a:t>Fourth level</a:t>
             </a:r>
+            <a:endParaRPr lang="en-US"/>
           </a:p>
           <a:p>
             <a:pPr lvl="4"/>
@@ -790,18 +753,13 @@
               <a:rPr lang="en-US"/>
               <a:t>Fifth level</a:t>
             </a:r>
-          </a:p>
-        </p:txBody>
-      </p:sp>
-      <p:sp>
-        <p:nvSpPr>
-          <p:cNvPr id="4" name="Date Placeholder 3">
-            <a:extLst>
-              <a:ext uri="{FF2B5EF4-FFF2-40B4-BE49-F238E27FC236}">
-                <a16:creationId xmlns:a16="http://schemas.microsoft.com/office/drawing/2014/main" id="{10B928F0-106E-08F3-2232-DAFE4F28D128}"/>
-              </a:ext>
-            </a:extLst>
-          </p:cNvPr>
+            <a:endParaRPr lang="en-US"/>
+          </a:p>
+        </p:txBody>
+      </p:sp>
+      <p:sp>
+        <p:nvSpPr>
+          <p:cNvPr id="4" name="Date Placeholder 3"/>
           <p:cNvSpPr>
             <a:spLocks noGrp="1"/>
           </p:cNvSpPr>
@@ -816,7 +774,6 @@
           <a:p>
             <a:fld id="{FBC5AFB7-B064-4C5B-8400-461C6FACE78A}" type="datetimeFigureOut">
               <a:rPr lang="en-US" smtClean="0"/>
-              <a:t>01/02/2024</a:t>
             </a:fld>
             <a:endParaRPr lang="en-US"/>
           </a:p>
@@ -824,13 +781,7 @@
       </p:sp>
       <p:sp>
         <p:nvSpPr>
-          <p:cNvPr id="5" name="Footer Placeholder 4">
-            <a:extLst>
-              <a:ext uri="{FF2B5EF4-FFF2-40B4-BE49-F238E27FC236}">
-                <a16:creationId xmlns:a16="http://schemas.microsoft.com/office/drawing/2014/main" id="{DB9C8ECE-04FA-1E41-EE67-03A8843C15FD}"/>
-              </a:ext>
-            </a:extLst>
-          </p:cNvPr>
+          <p:cNvPr id="5" name="Footer Placeholder 4"/>
           <p:cNvSpPr>
             <a:spLocks noGrp="1"/>
           </p:cNvSpPr>
@@ -849,13 +800,7 @@
       </p:sp>
       <p:sp>
         <p:nvSpPr>
-          <p:cNvPr id="6" name="Slide Number Placeholder 5">
-            <a:extLst>
-              <a:ext uri="{FF2B5EF4-FFF2-40B4-BE49-F238E27FC236}">
-                <a16:creationId xmlns:a16="http://schemas.microsoft.com/office/drawing/2014/main" id="{C61EDCC5-BEDB-8949-AE0F-5383072D9768}"/>
-              </a:ext>
-            </a:extLst>
-          </p:cNvPr>
+          <p:cNvPr id="6" name="Slide Number Placeholder 5"/>
           <p:cNvSpPr>
             <a:spLocks noGrp="1"/>
           </p:cNvSpPr>
@@ -870,22 +815,28 @@
           <a:p>
             <a:fld id="{3A3E06B9-8B3A-478A-9696-AB8C508979CC}" type="slidenum">
               <a:rPr lang="en-US" smtClean="0"/>
-              <a:t>‹#›</a:t>
             </a:fld>
             <a:endParaRPr lang="en-US"/>
           </a:p>
         </p:txBody>
       </p:sp>
     </p:spTree>
-    <p:extLst>
-      <p:ext uri="{BB962C8B-B14F-4D97-AF65-F5344CB8AC3E}">
-        <p14:creationId xmlns:p14="http://schemas.microsoft.com/office/powerpoint/2010/main" val="1292184689"/>
-      </p:ext>
-    </p:extLst>
   </p:cSld>
   <p:clrMapOvr>
     <a:masterClrMapping/>
   </p:clrMapOvr>
+  <mc:AlternateContent xmlns:mc="http://schemas.openxmlformats.org/markup-compatibility/2006">
+    <mc:Choice xmlns:p14="http://schemas.microsoft.com/office/powerpoint/2010/main" Requires="p14">
+      <p:transition spd="slow" p14:dur="1000">
+        <p:push dir="u"/>
+      </p:transition>
+    </mc:Choice>
+    <mc:Fallback>
+      <p:transition spd="slow">
+        <p:push dir="u"/>
+      </p:transition>
+    </mc:Fallback>
+  </mc:AlternateContent>
 </p:sldLayout>
 </file>
 
@@ -908,13 +859,7 @@
       </p:grpSpPr>
       <p:sp>
         <p:nvSpPr>
-          <p:cNvPr id="2" name="Vertical Title 1">
-            <a:extLst>
-              <a:ext uri="{FF2B5EF4-FFF2-40B4-BE49-F238E27FC236}">
-                <a16:creationId xmlns:a16="http://schemas.microsoft.com/office/drawing/2014/main" id="{9610AB84-FFA0-9ACA-D2EC-649B4CD76BAD}"/>
-              </a:ext>
-            </a:extLst>
-          </p:cNvPr>
+          <p:cNvPr id="2" name="Vertical Title 1"/>
           <p:cNvSpPr>
             <a:spLocks noGrp="1"/>
           </p:cNvSpPr>
@@ -936,18 +881,13 @@
               <a:rPr lang="en-US"/>
               <a:t>Click to edit Master title style</a:t>
             </a:r>
-          </a:p>
-        </p:txBody>
-      </p:sp>
-      <p:sp>
-        <p:nvSpPr>
-          <p:cNvPr id="3" name="Vertical Text Placeholder 2">
-            <a:extLst>
-              <a:ext uri="{FF2B5EF4-FFF2-40B4-BE49-F238E27FC236}">
-                <a16:creationId xmlns:a16="http://schemas.microsoft.com/office/drawing/2014/main" id="{52FA03FA-0286-3A9F-D454-F4A14B42BE6B}"/>
-              </a:ext>
-            </a:extLst>
-          </p:cNvPr>
+            <a:endParaRPr lang="en-US"/>
+          </a:p>
+        </p:txBody>
+      </p:sp>
+      <p:sp>
+        <p:nvSpPr>
+          <p:cNvPr id="3" name="Vertical Text Placeholder 2"/>
           <p:cNvSpPr>
             <a:spLocks noGrp="1"/>
           </p:cNvSpPr>
@@ -970,6 +910,7 @@
               <a:rPr lang="en-US"/>
               <a:t>Click to edit Master text styles</a:t>
             </a:r>
+            <a:endParaRPr lang="en-US"/>
           </a:p>
           <a:p>
             <a:pPr lvl="1"/>
@@ -977,6 +918,7 @@
               <a:rPr lang="en-US"/>
               <a:t>Second level</a:t>
             </a:r>
+            <a:endParaRPr lang="en-US"/>
           </a:p>
           <a:p>
             <a:pPr lvl="2"/>
@@ -984,6 +926,7 @@
               <a:rPr lang="en-US"/>
               <a:t>Third level</a:t>
             </a:r>
+            <a:endParaRPr lang="en-US"/>
           </a:p>
           <a:p>
             <a:pPr lvl="3"/>
@@ -991,6 +934,7 @@
               <a:rPr lang="en-US"/>
               <a:t>Fourth level</a:t>
             </a:r>
+            <a:endParaRPr lang="en-US"/>
           </a:p>
           <a:p>
             <a:pPr lvl="4"/>
@@ -998,18 +942,13 @@
               <a:rPr lang="en-US"/>
               <a:t>Fifth level</a:t>
             </a:r>
-          </a:p>
-        </p:txBody>
-      </p:sp>
-      <p:sp>
-        <p:nvSpPr>
-          <p:cNvPr id="4" name="Date Placeholder 3">
-            <a:extLst>
-              <a:ext uri="{FF2B5EF4-FFF2-40B4-BE49-F238E27FC236}">
-                <a16:creationId xmlns:a16="http://schemas.microsoft.com/office/drawing/2014/main" id="{2F874923-B049-2A20-2578-7BAEEE440E77}"/>
-              </a:ext>
-            </a:extLst>
-          </p:cNvPr>
+            <a:endParaRPr lang="en-US"/>
+          </a:p>
+        </p:txBody>
+      </p:sp>
+      <p:sp>
+        <p:nvSpPr>
+          <p:cNvPr id="4" name="Date Placeholder 3"/>
           <p:cNvSpPr>
             <a:spLocks noGrp="1"/>
           </p:cNvSpPr>
@@ -1024,7 +963,6 @@
           <a:p>
             <a:fld id="{FBC5AFB7-B064-4C5B-8400-461C6FACE78A}" type="datetimeFigureOut">
               <a:rPr lang="en-US" smtClean="0"/>
-              <a:t>01/02/2024</a:t>
             </a:fld>
             <a:endParaRPr lang="en-US"/>
           </a:p>
@@ -1032,13 +970,7 @@
       </p:sp>
       <p:sp>
         <p:nvSpPr>
-          <p:cNvPr id="5" name="Footer Placeholder 4">
-            <a:extLst>
-              <a:ext uri="{FF2B5EF4-FFF2-40B4-BE49-F238E27FC236}">
-                <a16:creationId xmlns:a16="http://schemas.microsoft.com/office/drawing/2014/main" id="{B6035089-1170-9F36-5E05-1FA5DFAD95CB}"/>
-              </a:ext>
-            </a:extLst>
-          </p:cNvPr>
+          <p:cNvPr id="5" name="Footer Placeholder 4"/>
           <p:cNvSpPr>
             <a:spLocks noGrp="1"/>
           </p:cNvSpPr>
@@ -1057,13 +989,7 @@
       </p:sp>
       <p:sp>
         <p:nvSpPr>
-          <p:cNvPr id="6" name="Slide Number Placeholder 5">
-            <a:extLst>
-              <a:ext uri="{FF2B5EF4-FFF2-40B4-BE49-F238E27FC236}">
-                <a16:creationId xmlns:a16="http://schemas.microsoft.com/office/drawing/2014/main" id="{B6EED420-3B4B-6E71-14E7-D1C96C3DB96E}"/>
-              </a:ext>
-            </a:extLst>
-          </p:cNvPr>
+          <p:cNvPr id="6" name="Slide Number Placeholder 5"/>
           <p:cNvSpPr>
             <a:spLocks noGrp="1"/>
           </p:cNvSpPr>
@@ -1078,22 +1004,28 @@
           <a:p>
             <a:fld id="{3A3E06B9-8B3A-478A-9696-AB8C508979CC}" type="slidenum">
               <a:rPr lang="en-US" smtClean="0"/>
-              <a:t>‹#›</a:t>
             </a:fld>
             <a:endParaRPr lang="en-US"/>
           </a:p>
         </p:txBody>
       </p:sp>
     </p:spTree>
-    <p:extLst>
-      <p:ext uri="{BB962C8B-B14F-4D97-AF65-F5344CB8AC3E}">
-        <p14:creationId xmlns:p14="http://schemas.microsoft.com/office/powerpoint/2010/main" val="2482381273"/>
-      </p:ext>
-    </p:extLst>
   </p:cSld>
   <p:clrMapOvr>
     <a:masterClrMapping/>
   </p:clrMapOvr>
+  <mc:AlternateContent xmlns:mc="http://schemas.openxmlformats.org/markup-compatibility/2006">
+    <mc:Choice xmlns:p14="http://schemas.microsoft.com/office/powerpoint/2010/main" Requires="p14">
+      <p:transition spd="slow" p14:dur="1000">
+        <p:push dir="u"/>
+      </p:transition>
+    </mc:Choice>
+    <mc:Fallback>
+      <p:transition spd="slow">
+        <p:push dir="u"/>
+      </p:transition>
+    </mc:Fallback>
+  </mc:AlternateContent>
 </p:sldLayout>
 </file>
 
@@ -1116,13 +1048,7 @@
       </p:grpSpPr>
       <p:sp>
         <p:nvSpPr>
-          <p:cNvPr id="2" name="Title 1">
-            <a:extLst>
-              <a:ext uri="{FF2B5EF4-FFF2-40B4-BE49-F238E27FC236}">
-                <a16:creationId xmlns:a16="http://schemas.microsoft.com/office/drawing/2014/main" id="{8235B3AA-F500-CE11-987B-30E7C6B3A032}"/>
-              </a:ext>
-            </a:extLst>
-          </p:cNvPr>
+          <p:cNvPr id="2" name="Title 1"/>
           <p:cNvSpPr>
             <a:spLocks noGrp="1"/>
           </p:cNvSpPr>
@@ -1139,18 +1065,13 @@
               <a:rPr lang="en-US"/>
               <a:t>Click to edit Master title style</a:t>
             </a:r>
-          </a:p>
-        </p:txBody>
-      </p:sp>
-      <p:sp>
-        <p:nvSpPr>
-          <p:cNvPr id="3" name="Content Placeholder 2">
-            <a:extLst>
-              <a:ext uri="{FF2B5EF4-FFF2-40B4-BE49-F238E27FC236}">
-                <a16:creationId xmlns:a16="http://schemas.microsoft.com/office/drawing/2014/main" id="{C32F386E-6173-1F38-01E7-C52F34F93DB1}"/>
-              </a:ext>
-            </a:extLst>
-          </p:cNvPr>
+            <a:endParaRPr lang="en-US"/>
+          </a:p>
+        </p:txBody>
+      </p:sp>
+      <p:sp>
+        <p:nvSpPr>
+          <p:cNvPr id="3" name="Content Placeholder 2"/>
           <p:cNvSpPr>
             <a:spLocks noGrp="1"/>
           </p:cNvSpPr>
@@ -1168,6 +1089,7 @@
               <a:rPr lang="en-US"/>
               <a:t>Click to edit Master text styles</a:t>
             </a:r>
+            <a:endParaRPr lang="en-US"/>
           </a:p>
           <a:p>
             <a:pPr lvl="1"/>
@@ -1175,6 +1097,7 @@
               <a:rPr lang="en-US"/>
               <a:t>Second level</a:t>
             </a:r>
+            <a:endParaRPr lang="en-US"/>
           </a:p>
           <a:p>
             <a:pPr lvl="2"/>
@@ -1182,6 +1105,7 @@
               <a:rPr lang="en-US"/>
               <a:t>Third level</a:t>
             </a:r>
+            <a:endParaRPr lang="en-US"/>
           </a:p>
           <a:p>
             <a:pPr lvl="3"/>
@@ -1189,6 +1113,7 @@
               <a:rPr lang="en-US"/>
               <a:t>Fourth level</a:t>
             </a:r>
+            <a:endParaRPr lang="en-US"/>
           </a:p>
           <a:p>
             <a:pPr lvl="4"/>
@@ -1196,18 +1121,13 @@
               <a:rPr lang="en-US"/>
               <a:t>Fifth level</a:t>
             </a:r>
-          </a:p>
-        </p:txBody>
-      </p:sp>
-      <p:sp>
-        <p:nvSpPr>
-          <p:cNvPr id="4" name="Date Placeholder 3">
-            <a:extLst>
-              <a:ext uri="{FF2B5EF4-FFF2-40B4-BE49-F238E27FC236}">
-                <a16:creationId xmlns:a16="http://schemas.microsoft.com/office/drawing/2014/main" id="{4200E7A3-FCF9-6D1C-8923-8239F33162E3}"/>
-              </a:ext>
-            </a:extLst>
-          </p:cNvPr>
+            <a:endParaRPr lang="en-US"/>
+          </a:p>
+        </p:txBody>
+      </p:sp>
+      <p:sp>
+        <p:nvSpPr>
+          <p:cNvPr id="4" name="Date Placeholder 3"/>
           <p:cNvSpPr>
             <a:spLocks noGrp="1"/>
           </p:cNvSpPr>
@@ -1222,7 +1142,6 @@
           <a:p>
             <a:fld id="{FBC5AFB7-B064-4C5B-8400-461C6FACE78A}" type="datetimeFigureOut">
               <a:rPr lang="en-US" smtClean="0"/>
-              <a:t>01/02/2024</a:t>
             </a:fld>
             <a:endParaRPr lang="en-US"/>
           </a:p>
@@ -1230,13 +1149,7 @@
       </p:sp>
       <p:sp>
         <p:nvSpPr>
-          <p:cNvPr id="5" name="Footer Placeholder 4">
-            <a:extLst>
-              <a:ext uri="{FF2B5EF4-FFF2-40B4-BE49-F238E27FC236}">
-                <a16:creationId xmlns:a16="http://schemas.microsoft.com/office/drawing/2014/main" id="{393C0E61-1AA5-2128-82FB-1893CD462C4A}"/>
-              </a:ext>
-            </a:extLst>
-          </p:cNvPr>
+          <p:cNvPr id="5" name="Footer Placeholder 4"/>
           <p:cNvSpPr>
             <a:spLocks noGrp="1"/>
           </p:cNvSpPr>
@@ -1255,13 +1168,7 @@
       </p:sp>
       <p:sp>
         <p:nvSpPr>
-          <p:cNvPr id="6" name="Slide Number Placeholder 5">
-            <a:extLst>
-              <a:ext uri="{FF2B5EF4-FFF2-40B4-BE49-F238E27FC236}">
-                <a16:creationId xmlns:a16="http://schemas.microsoft.com/office/drawing/2014/main" id="{8D8FC68C-4CE3-6A2C-60FF-12E1CC1E5BFF}"/>
-              </a:ext>
-            </a:extLst>
-          </p:cNvPr>
+          <p:cNvPr id="6" name="Slide Number Placeholder 5"/>
           <p:cNvSpPr>
             <a:spLocks noGrp="1"/>
           </p:cNvSpPr>
@@ -1276,22 +1183,28 @@
           <a:p>
             <a:fld id="{3A3E06B9-8B3A-478A-9696-AB8C508979CC}" type="slidenum">
               <a:rPr lang="en-US" smtClean="0"/>
-              <a:t>‹#›</a:t>
             </a:fld>
             <a:endParaRPr lang="en-US"/>
           </a:p>
         </p:txBody>
       </p:sp>
     </p:spTree>
-    <p:extLst>
-      <p:ext uri="{BB962C8B-B14F-4D97-AF65-F5344CB8AC3E}">
-        <p14:creationId xmlns:p14="http://schemas.microsoft.com/office/powerpoint/2010/main" val="1001759135"/>
-      </p:ext>
-    </p:extLst>
   </p:cSld>
   <p:clrMapOvr>
     <a:masterClrMapping/>
   </p:clrMapOvr>
+  <mc:AlternateContent xmlns:mc="http://schemas.openxmlformats.org/markup-compatibility/2006">
+    <mc:Choice xmlns:p14="http://schemas.microsoft.com/office/powerpoint/2010/main" Requires="p14">
+      <p:transition spd="slow" p14:dur="1000">
+        <p:push dir="u"/>
+      </p:transition>
+    </mc:Choice>
+    <mc:Fallback>
+      <p:transition spd="slow">
+        <p:push dir="u"/>
+      </p:transition>
+    </mc:Fallback>
+  </mc:AlternateContent>
 </p:sldLayout>
 </file>
 
@@ -1314,13 +1227,7 @@
       </p:grpSpPr>
       <p:sp>
         <p:nvSpPr>
-          <p:cNvPr id="2" name="Title 1">
-            <a:extLst>
-              <a:ext uri="{FF2B5EF4-FFF2-40B4-BE49-F238E27FC236}">
-                <a16:creationId xmlns:a16="http://schemas.microsoft.com/office/drawing/2014/main" id="{C8A655E0-9436-7937-A25F-63243E114FBA}"/>
-              </a:ext>
-            </a:extLst>
-          </p:cNvPr>
+          <p:cNvPr id="2" name="Title 1"/>
           <p:cNvSpPr>
             <a:spLocks noGrp="1"/>
           </p:cNvSpPr>
@@ -1346,18 +1253,13 @@
               <a:rPr lang="en-US"/>
               <a:t>Click to edit Master title style</a:t>
             </a:r>
-          </a:p>
-        </p:txBody>
-      </p:sp>
-      <p:sp>
-        <p:nvSpPr>
-          <p:cNvPr id="3" name="Text Placeholder 2">
-            <a:extLst>
-              <a:ext uri="{FF2B5EF4-FFF2-40B4-BE49-F238E27FC236}">
-                <a16:creationId xmlns:a16="http://schemas.microsoft.com/office/drawing/2014/main" id="{D550817E-4693-68D6-428F-0628D3ABF969}"/>
-              </a:ext>
-            </a:extLst>
-          </p:cNvPr>
+            <a:endParaRPr lang="en-US"/>
+          </a:p>
+        </p:txBody>
+      </p:sp>
+      <p:sp>
+        <p:nvSpPr>
+          <p:cNvPr id="3" name="Text Placeholder 2"/>
           <p:cNvSpPr>
             <a:spLocks noGrp="1"/>
           </p:cNvSpPr>
@@ -1471,18 +1373,13 @@
               <a:rPr lang="en-US"/>
               <a:t>Click to edit Master text styles</a:t>
             </a:r>
-          </a:p>
-        </p:txBody>
-      </p:sp>
-      <p:sp>
-        <p:nvSpPr>
-          <p:cNvPr id="4" name="Date Placeholder 3">
-            <a:extLst>
-              <a:ext uri="{FF2B5EF4-FFF2-40B4-BE49-F238E27FC236}">
-                <a16:creationId xmlns:a16="http://schemas.microsoft.com/office/drawing/2014/main" id="{E420C02A-522A-135D-7E82-6510C203C959}"/>
-              </a:ext>
-            </a:extLst>
-          </p:cNvPr>
+            <a:endParaRPr lang="en-US"/>
+          </a:p>
+        </p:txBody>
+      </p:sp>
+      <p:sp>
+        <p:nvSpPr>
+          <p:cNvPr id="4" name="Date Placeholder 3"/>
           <p:cNvSpPr>
             <a:spLocks noGrp="1"/>
           </p:cNvSpPr>
@@ -1497,7 +1394,6 @@
           <a:p>
             <a:fld id="{FBC5AFB7-B064-4C5B-8400-461C6FACE78A}" type="datetimeFigureOut">
               <a:rPr lang="en-US" smtClean="0"/>
-              <a:t>01/02/2024</a:t>
             </a:fld>
             <a:endParaRPr lang="en-US"/>
           </a:p>
@@ -1505,13 +1401,7 @@
       </p:sp>
       <p:sp>
         <p:nvSpPr>
-          <p:cNvPr id="5" name="Footer Placeholder 4">
-            <a:extLst>
-              <a:ext uri="{FF2B5EF4-FFF2-40B4-BE49-F238E27FC236}">
-                <a16:creationId xmlns:a16="http://schemas.microsoft.com/office/drawing/2014/main" id="{8B213668-B834-96EF-4BF7-4BD610817D79}"/>
-              </a:ext>
-            </a:extLst>
-          </p:cNvPr>
+          <p:cNvPr id="5" name="Footer Placeholder 4"/>
           <p:cNvSpPr>
             <a:spLocks noGrp="1"/>
           </p:cNvSpPr>
@@ -1530,13 +1420,7 @@
       </p:sp>
       <p:sp>
         <p:nvSpPr>
-          <p:cNvPr id="6" name="Slide Number Placeholder 5">
-            <a:extLst>
-              <a:ext uri="{FF2B5EF4-FFF2-40B4-BE49-F238E27FC236}">
-                <a16:creationId xmlns:a16="http://schemas.microsoft.com/office/drawing/2014/main" id="{FDC88F92-EB51-BABA-22FD-22158582B1DD}"/>
-              </a:ext>
-            </a:extLst>
-          </p:cNvPr>
+          <p:cNvPr id="6" name="Slide Number Placeholder 5"/>
           <p:cNvSpPr>
             <a:spLocks noGrp="1"/>
           </p:cNvSpPr>
@@ -1551,22 +1435,28 @@
           <a:p>
             <a:fld id="{3A3E06B9-8B3A-478A-9696-AB8C508979CC}" type="slidenum">
               <a:rPr lang="en-US" smtClean="0"/>
-              <a:t>‹#›</a:t>
             </a:fld>
             <a:endParaRPr lang="en-US"/>
           </a:p>
         </p:txBody>
       </p:sp>
     </p:spTree>
-    <p:extLst>
-      <p:ext uri="{BB962C8B-B14F-4D97-AF65-F5344CB8AC3E}">
-        <p14:creationId xmlns:p14="http://schemas.microsoft.com/office/powerpoint/2010/main" val="1092045925"/>
-      </p:ext>
-    </p:extLst>
   </p:cSld>
   <p:clrMapOvr>
     <a:masterClrMapping/>
   </p:clrMapOvr>
+  <mc:AlternateContent xmlns:mc="http://schemas.openxmlformats.org/markup-compatibility/2006">
+    <mc:Choice xmlns:p14="http://schemas.microsoft.com/office/powerpoint/2010/main" Requires="p14">
+      <p:transition spd="slow" p14:dur="1000">
+        <p:push dir="u"/>
+      </p:transition>
+    </mc:Choice>
+    <mc:Fallback>
+      <p:transition spd="slow">
+        <p:push dir="u"/>
+      </p:transition>
+    </mc:Fallback>
+  </mc:AlternateContent>
 </p:sldLayout>
 </file>
 
@@ -1589,13 +1479,7 @@
       </p:grpSpPr>
       <p:sp>
         <p:nvSpPr>
-          <p:cNvPr id="2" name="Title 1">
-            <a:extLst>
-              <a:ext uri="{FF2B5EF4-FFF2-40B4-BE49-F238E27FC236}">
-                <a16:creationId xmlns:a16="http://schemas.microsoft.com/office/drawing/2014/main" id="{A22E9254-88C8-1192-4C37-8EFB0C444747}"/>
-              </a:ext>
-            </a:extLst>
-          </p:cNvPr>
+          <p:cNvPr id="2" name="Title 1"/>
           <p:cNvSpPr>
             <a:spLocks noGrp="1"/>
           </p:cNvSpPr>
@@ -1612,18 +1496,13 @@
               <a:rPr lang="en-US"/>
               <a:t>Click to edit Master title style</a:t>
             </a:r>
-          </a:p>
-        </p:txBody>
-      </p:sp>
-      <p:sp>
-        <p:nvSpPr>
-          <p:cNvPr id="3" name="Content Placeholder 2">
-            <a:extLst>
-              <a:ext uri="{FF2B5EF4-FFF2-40B4-BE49-F238E27FC236}">
-                <a16:creationId xmlns:a16="http://schemas.microsoft.com/office/drawing/2014/main" id="{51D817B2-C526-4EC5-6EF2-85429D423EB2}"/>
-              </a:ext>
-            </a:extLst>
-          </p:cNvPr>
+            <a:endParaRPr lang="en-US"/>
+          </a:p>
+        </p:txBody>
+      </p:sp>
+      <p:sp>
+        <p:nvSpPr>
+          <p:cNvPr id="3" name="Content Placeholder 2"/>
           <p:cNvSpPr>
             <a:spLocks noGrp="1"/>
           </p:cNvSpPr>
@@ -1646,6 +1525,7 @@
               <a:rPr lang="en-US"/>
               <a:t>Click to edit Master text styles</a:t>
             </a:r>
+            <a:endParaRPr lang="en-US"/>
           </a:p>
           <a:p>
             <a:pPr lvl="1"/>
@@ -1653,6 +1533,7 @@
               <a:rPr lang="en-US"/>
               <a:t>Second level</a:t>
             </a:r>
+            <a:endParaRPr lang="en-US"/>
           </a:p>
           <a:p>
             <a:pPr lvl="2"/>
@@ -1660,6 +1541,7 @@
               <a:rPr lang="en-US"/>
               <a:t>Third level</a:t>
             </a:r>
+            <a:endParaRPr lang="en-US"/>
           </a:p>
           <a:p>
             <a:pPr lvl="3"/>
@@ -1667,6 +1549,7 @@
               <a:rPr lang="en-US"/>
               <a:t>Fourth level</a:t>
             </a:r>
+            <a:endParaRPr lang="en-US"/>
           </a:p>
           <a:p>
             <a:pPr lvl="4"/>
@@ -1674,18 +1557,13 @@
               <a:rPr lang="en-US"/>
               <a:t>Fifth level</a:t>
             </a:r>
-          </a:p>
-        </p:txBody>
-      </p:sp>
-      <p:sp>
-        <p:nvSpPr>
-          <p:cNvPr id="4" name="Content Placeholder 3">
-            <a:extLst>
-              <a:ext uri="{FF2B5EF4-FFF2-40B4-BE49-F238E27FC236}">
-                <a16:creationId xmlns:a16="http://schemas.microsoft.com/office/drawing/2014/main" id="{D77B4BDC-D273-7B88-9E8F-957DBB5E8382}"/>
-              </a:ext>
-            </a:extLst>
-          </p:cNvPr>
+            <a:endParaRPr lang="en-US"/>
+          </a:p>
+        </p:txBody>
+      </p:sp>
+      <p:sp>
+        <p:nvSpPr>
+          <p:cNvPr id="4" name="Content Placeholder 3"/>
           <p:cNvSpPr>
             <a:spLocks noGrp="1"/>
           </p:cNvSpPr>
@@ -1708,6 +1586,7 @@
               <a:rPr lang="en-US"/>
               <a:t>Click to edit Master text styles</a:t>
             </a:r>
+            <a:endParaRPr lang="en-US"/>
           </a:p>
           <a:p>
             <a:pPr lvl="1"/>
@@ -1715,6 +1594,7 @@
               <a:rPr lang="en-US"/>
               <a:t>Second level</a:t>
             </a:r>
+            <a:endParaRPr lang="en-US"/>
           </a:p>
           <a:p>
             <a:pPr lvl="2"/>
@@ -1722,6 +1602,7 @@
               <a:rPr lang="en-US"/>
               <a:t>Third level</a:t>
             </a:r>
+            <a:endParaRPr lang="en-US"/>
           </a:p>
           <a:p>
             <a:pPr lvl="3"/>
@@ -1729,6 +1610,7 @@
               <a:rPr lang="en-US"/>
               <a:t>Fourth level</a:t>
             </a:r>
+            <a:endParaRPr lang="en-US"/>
           </a:p>
           <a:p>
             <a:pPr lvl="4"/>
@@ -1736,18 +1618,13 @@
               <a:rPr lang="en-US"/>
               <a:t>Fifth level</a:t>
             </a:r>
-          </a:p>
-        </p:txBody>
-      </p:sp>
-      <p:sp>
-        <p:nvSpPr>
-          <p:cNvPr id="5" name="Date Placeholder 4">
-            <a:extLst>
-              <a:ext uri="{FF2B5EF4-FFF2-40B4-BE49-F238E27FC236}">
-                <a16:creationId xmlns:a16="http://schemas.microsoft.com/office/drawing/2014/main" id="{A6A439BB-E033-5C7C-F9EF-CC3DD6FF3085}"/>
-              </a:ext>
-            </a:extLst>
-          </p:cNvPr>
+            <a:endParaRPr lang="en-US"/>
+          </a:p>
+        </p:txBody>
+      </p:sp>
+      <p:sp>
+        <p:nvSpPr>
+          <p:cNvPr id="5" name="Date Placeholder 4"/>
           <p:cNvSpPr>
             <a:spLocks noGrp="1"/>
           </p:cNvSpPr>
@@ -1762,7 +1639,6 @@
           <a:p>
             <a:fld id="{FBC5AFB7-B064-4C5B-8400-461C6FACE78A}" type="datetimeFigureOut">
               <a:rPr lang="en-US" smtClean="0"/>
-              <a:t>01/02/2024</a:t>
             </a:fld>
             <a:endParaRPr lang="en-US"/>
           </a:p>
@@ -1770,13 +1646,7 @@
       </p:sp>
       <p:sp>
         <p:nvSpPr>
-          <p:cNvPr id="6" name="Footer Placeholder 5">
-            <a:extLst>
-              <a:ext uri="{FF2B5EF4-FFF2-40B4-BE49-F238E27FC236}">
-                <a16:creationId xmlns:a16="http://schemas.microsoft.com/office/drawing/2014/main" id="{C3DDB254-8663-E888-1555-4B9B0AB586D0}"/>
-              </a:ext>
-            </a:extLst>
-          </p:cNvPr>
+          <p:cNvPr id="6" name="Footer Placeholder 5"/>
           <p:cNvSpPr>
             <a:spLocks noGrp="1"/>
           </p:cNvSpPr>
@@ -1795,13 +1665,7 @@
       </p:sp>
       <p:sp>
         <p:nvSpPr>
-          <p:cNvPr id="7" name="Slide Number Placeholder 6">
-            <a:extLst>
-              <a:ext uri="{FF2B5EF4-FFF2-40B4-BE49-F238E27FC236}">
-                <a16:creationId xmlns:a16="http://schemas.microsoft.com/office/drawing/2014/main" id="{9FDAD659-2C8C-FAD9-2991-68BFC41A225B}"/>
-              </a:ext>
-            </a:extLst>
-          </p:cNvPr>
+          <p:cNvPr id="7" name="Slide Number Placeholder 6"/>
           <p:cNvSpPr>
             <a:spLocks noGrp="1"/>
           </p:cNvSpPr>
@@ -1816,22 +1680,28 @@
           <a:p>
             <a:fld id="{3A3E06B9-8B3A-478A-9696-AB8C508979CC}" type="slidenum">
               <a:rPr lang="en-US" smtClean="0"/>
-              <a:t>‹#›</a:t>
             </a:fld>
             <a:endParaRPr lang="en-US"/>
           </a:p>
         </p:txBody>
       </p:sp>
     </p:spTree>
-    <p:extLst>
-      <p:ext uri="{BB962C8B-B14F-4D97-AF65-F5344CB8AC3E}">
-        <p14:creationId xmlns:p14="http://schemas.microsoft.com/office/powerpoint/2010/main" val="1044473204"/>
-      </p:ext>
-    </p:extLst>
   </p:cSld>
   <p:clrMapOvr>
     <a:masterClrMapping/>
   </p:clrMapOvr>
+  <mc:AlternateContent xmlns:mc="http://schemas.openxmlformats.org/markup-compatibility/2006">
+    <mc:Choice xmlns:p14="http://schemas.microsoft.com/office/powerpoint/2010/main" Requires="p14">
+      <p:transition spd="slow" p14:dur="1000">
+        <p:push dir="u"/>
+      </p:transition>
+    </mc:Choice>
+    <mc:Fallback>
+      <p:transition spd="slow">
+        <p:push dir="u"/>
+      </p:transition>
+    </mc:Fallback>
+  </mc:AlternateContent>
 </p:sldLayout>
 </file>
 
@@ -1854,13 +1724,7 @@
       </p:grpSpPr>
       <p:sp>
         <p:nvSpPr>
-          <p:cNvPr id="2" name="Title 1">
-            <a:extLst>
-              <a:ext uri="{FF2B5EF4-FFF2-40B4-BE49-F238E27FC236}">
-                <a16:creationId xmlns:a16="http://schemas.microsoft.com/office/drawing/2014/main" id="{43AC848D-53B9-126F-8D0F-6E9DB4FAA2EA}"/>
-              </a:ext>
-            </a:extLst>
-          </p:cNvPr>
+          <p:cNvPr id="2" name="Title 1"/>
           <p:cNvSpPr>
             <a:spLocks noGrp="1"/>
           </p:cNvSpPr>
@@ -1882,18 +1746,13 @@
               <a:rPr lang="en-US"/>
               <a:t>Click to edit Master title style</a:t>
             </a:r>
-          </a:p>
-        </p:txBody>
-      </p:sp>
-      <p:sp>
-        <p:nvSpPr>
-          <p:cNvPr id="3" name="Text Placeholder 2">
-            <a:extLst>
-              <a:ext uri="{FF2B5EF4-FFF2-40B4-BE49-F238E27FC236}">
-                <a16:creationId xmlns:a16="http://schemas.microsoft.com/office/drawing/2014/main" id="{222E4438-4CA5-DAFD-5BFC-C1062D1307BF}"/>
-              </a:ext>
-            </a:extLst>
-          </p:cNvPr>
+            <a:endParaRPr lang="en-US"/>
+          </a:p>
+        </p:txBody>
+      </p:sp>
+      <p:sp>
+        <p:nvSpPr>
+          <p:cNvPr id="3" name="Text Placeholder 2"/>
           <p:cNvSpPr>
             <a:spLocks noGrp="1"/>
           </p:cNvSpPr>
@@ -1953,18 +1812,13 @@
               <a:rPr lang="en-US"/>
               <a:t>Click to edit Master text styles</a:t>
             </a:r>
-          </a:p>
-        </p:txBody>
-      </p:sp>
-      <p:sp>
-        <p:nvSpPr>
-          <p:cNvPr id="4" name="Content Placeholder 3">
-            <a:extLst>
-              <a:ext uri="{FF2B5EF4-FFF2-40B4-BE49-F238E27FC236}">
-                <a16:creationId xmlns:a16="http://schemas.microsoft.com/office/drawing/2014/main" id="{B36DB688-2395-E1A6-DEA9-EEDEC2FFA154}"/>
-              </a:ext>
-            </a:extLst>
-          </p:cNvPr>
+            <a:endParaRPr lang="en-US"/>
+          </a:p>
+        </p:txBody>
+      </p:sp>
+      <p:sp>
+        <p:nvSpPr>
+          <p:cNvPr id="4" name="Content Placeholder 3"/>
           <p:cNvSpPr>
             <a:spLocks noGrp="1"/>
           </p:cNvSpPr>
@@ -1987,6 +1841,7 @@
               <a:rPr lang="en-US"/>
               <a:t>Click to edit Master text styles</a:t>
             </a:r>
+            <a:endParaRPr lang="en-US"/>
           </a:p>
           <a:p>
             <a:pPr lvl="1"/>
@@ -1994,6 +1849,7 @@
               <a:rPr lang="en-US"/>
               <a:t>Second level</a:t>
             </a:r>
+            <a:endParaRPr lang="en-US"/>
           </a:p>
           <a:p>
             <a:pPr lvl="2"/>
@@ -2001,6 +1857,7 @@
               <a:rPr lang="en-US"/>
               <a:t>Third level</a:t>
             </a:r>
+            <a:endParaRPr lang="en-US"/>
           </a:p>
           <a:p>
             <a:pPr lvl="3"/>
@@ -2008,6 +1865,7 @@
               <a:rPr lang="en-US"/>
               <a:t>Fourth level</a:t>
             </a:r>
+            <a:endParaRPr lang="en-US"/>
           </a:p>
           <a:p>
             <a:pPr lvl="4"/>
@@ -2015,18 +1873,13 @@
               <a:rPr lang="en-US"/>
               <a:t>Fifth level</a:t>
             </a:r>
-          </a:p>
-        </p:txBody>
-      </p:sp>
-      <p:sp>
-        <p:nvSpPr>
-          <p:cNvPr id="5" name="Text Placeholder 4">
-            <a:extLst>
-              <a:ext uri="{FF2B5EF4-FFF2-40B4-BE49-F238E27FC236}">
-                <a16:creationId xmlns:a16="http://schemas.microsoft.com/office/drawing/2014/main" id="{DE62AD46-1BDF-0268-CE69-5124D1106AB3}"/>
-              </a:ext>
-            </a:extLst>
-          </p:cNvPr>
+            <a:endParaRPr lang="en-US"/>
+          </a:p>
+        </p:txBody>
+      </p:sp>
+      <p:sp>
+        <p:nvSpPr>
+          <p:cNvPr id="5" name="Text Placeholder 4"/>
           <p:cNvSpPr>
             <a:spLocks noGrp="1"/>
           </p:cNvSpPr>
@@ -2086,18 +1939,13 @@
               <a:rPr lang="en-US"/>
               <a:t>Click to edit Master text styles</a:t>
             </a:r>
-          </a:p>
-        </p:txBody>
-      </p:sp>
-      <p:sp>
-        <p:nvSpPr>
-          <p:cNvPr id="6" name="Content Placeholder 5">
-            <a:extLst>
-              <a:ext uri="{FF2B5EF4-FFF2-40B4-BE49-F238E27FC236}">
-                <a16:creationId xmlns:a16="http://schemas.microsoft.com/office/drawing/2014/main" id="{DDBB99F3-A675-9ADE-4616-1B3C8A3B7E0E}"/>
-              </a:ext>
-            </a:extLst>
-          </p:cNvPr>
+            <a:endParaRPr lang="en-US"/>
+          </a:p>
+        </p:txBody>
+      </p:sp>
+      <p:sp>
+        <p:nvSpPr>
+          <p:cNvPr id="6" name="Content Placeholder 5"/>
           <p:cNvSpPr>
             <a:spLocks noGrp="1"/>
           </p:cNvSpPr>
@@ -2120,6 +1968,7 @@
               <a:rPr lang="en-US"/>
               <a:t>Click to edit Master text styles</a:t>
             </a:r>
+            <a:endParaRPr lang="en-US"/>
           </a:p>
           <a:p>
             <a:pPr lvl="1"/>
@@ -2127,6 +1976,7 @@
               <a:rPr lang="en-US"/>
               <a:t>Second level</a:t>
             </a:r>
+            <a:endParaRPr lang="en-US"/>
           </a:p>
           <a:p>
             <a:pPr lvl="2"/>
@@ -2134,6 +1984,7 @@
               <a:rPr lang="en-US"/>
               <a:t>Third level</a:t>
             </a:r>
+            <a:endParaRPr lang="en-US"/>
           </a:p>
           <a:p>
             <a:pPr lvl="3"/>
@@ -2141,6 +1992,7 @@
               <a:rPr lang="en-US"/>
               <a:t>Fourth level</a:t>
             </a:r>
+            <a:endParaRPr lang="en-US"/>
           </a:p>
           <a:p>
             <a:pPr lvl="4"/>
@@ -2148,18 +2000,13 @@
               <a:rPr lang="en-US"/>
               <a:t>Fifth level</a:t>
             </a:r>
-          </a:p>
-        </p:txBody>
-      </p:sp>
-      <p:sp>
-        <p:nvSpPr>
-          <p:cNvPr id="7" name="Date Placeholder 6">
-            <a:extLst>
-              <a:ext uri="{FF2B5EF4-FFF2-40B4-BE49-F238E27FC236}">
-                <a16:creationId xmlns:a16="http://schemas.microsoft.com/office/drawing/2014/main" id="{F9A5C1C4-AE64-FEC8-825F-E676039FC8FB}"/>
-              </a:ext>
-            </a:extLst>
-          </p:cNvPr>
+            <a:endParaRPr lang="en-US"/>
+          </a:p>
+        </p:txBody>
+      </p:sp>
+      <p:sp>
+        <p:nvSpPr>
+          <p:cNvPr id="7" name="Date Placeholder 6"/>
           <p:cNvSpPr>
             <a:spLocks noGrp="1"/>
           </p:cNvSpPr>
@@ -2174,7 +2021,6 @@
           <a:p>
             <a:fld id="{FBC5AFB7-B064-4C5B-8400-461C6FACE78A}" type="datetimeFigureOut">
               <a:rPr lang="en-US" smtClean="0"/>
-              <a:t>01/02/2024</a:t>
             </a:fld>
             <a:endParaRPr lang="en-US"/>
           </a:p>
@@ -2182,13 +2028,7 @@
       </p:sp>
       <p:sp>
         <p:nvSpPr>
-          <p:cNvPr id="8" name="Footer Placeholder 7">
-            <a:extLst>
-              <a:ext uri="{FF2B5EF4-FFF2-40B4-BE49-F238E27FC236}">
-                <a16:creationId xmlns:a16="http://schemas.microsoft.com/office/drawing/2014/main" id="{95087AD8-5689-4B24-4EE2-4392AB5B4FD4}"/>
-              </a:ext>
-            </a:extLst>
-          </p:cNvPr>
+          <p:cNvPr id="8" name="Footer Placeholder 7"/>
           <p:cNvSpPr>
             <a:spLocks noGrp="1"/>
           </p:cNvSpPr>
@@ -2207,13 +2047,7 @@
       </p:sp>
       <p:sp>
         <p:nvSpPr>
-          <p:cNvPr id="9" name="Slide Number Placeholder 8">
-            <a:extLst>
-              <a:ext uri="{FF2B5EF4-FFF2-40B4-BE49-F238E27FC236}">
-                <a16:creationId xmlns:a16="http://schemas.microsoft.com/office/drawing/2014/main" id="{22915326-E145-1364-463B-2C5508231C79}"/>
-              </a:ext>
-            </a:extLst>
-          </p:cNvPr>
+          <p:cNvPr id="9" name="Slide Number Placeholder 8"/>
           <p:cNvSpPr>
             <a:spLocks noGrp="1"/>
           </p:cNvSpPr>
@@ -2228,22 +2062,28 @@
           <a:p>
             <a:fld id="{3A3E06B9-8B3A-478A-9696-AB8C508979CC}" type="slidenum">
               <a:rPr lang="en-US" smtClean="0"/>
-              <a:t>‹#›</a:t>
             </a:fld>
             <a:endParaRPr lang="en-US"/>
           </a:p>
         </p:txBody>
       </p:sp>
     </p:spTree>
-    <p:extLst>
-      <p:ext uri="{BB962C8B-B14F-4D97-AF65-F5344CB8AC3E}">
-        <p14:creationId xmlns:p14="http://schemas.microsoft.com/office/powerpoint/2010/main" val="3058190528"/>
-      </p:ext>
-    </p:extLst>
   </p:cSld>
   <p:clrMapOvr>
     <a:masterClrMapping/>
   </p:clrMapOvr>
+  <mc:AlternateContent xmlns:mc="http://schemas.openxmlformats.org/markup-compatibility/2006">
+    <mc:Choice xmlns:p14="http://schemas.microsoft.com/office/powerpoint/2010/main" Requires="p14">
+      <p:transition spd="slow" p14:dur="1000">
+        <p:push dir="u"/>
+      </p:transition>
+    </mc:Choice>
+    <mc:Fallback>
+      <p:transition spd="slow">
+        <p:push dir="u"/>
+      </p:transition>
+    </mc:Fallback>
+  </mc:AlternateContent>
 </p:sldLayout>
 </file>
 
@@ -2266,13 +2106,7 @@
       </p:grpSpPr>
       <p:sp>
         <p:nvSpPr>
-          <p:cNvPr id="2" name="Title 1">
-            <a:extLst>
-              <a:ext uri="{FF2B5EF4-FFF2-40B4-BE49-F238E27FC236}">
-                <a16:creationId xmlns:a16="http://schemas.microsoft.com/office/drawing/2014/main" id="{FB28DA0C-1390-B08E-D627-7E8596805085}"/>
-              </a:ext>
-            </a:extLst>
-          </p:cNvPr>
+          <p:cNvPr id="2" name="Title 1"/>
           <p:cNvSpPr>
             <a:spLocks noGrp="1"/>
           </p:cNvSpPr>
@@ -2289,18 +2123,13 @@
               <a:rPr lang="en-US"/>
               <a:t>Click to edit Master title style</a:t>
             </a:r>
-          </a:p>
-        </p:txBody>
-      </p:sp>
-      <p:sp>
-        <p:nvSpPr>
-          <p:cNvPr id="3" name="Date Placeholder 2">
-            <a:extLst>
-              <a:ext uri="{FF2B5EF4-FFF2-40B4-BE49-F238E27FC236}">
-                <a16:creationId xmlns:a16="http://schemas.microsoft.com/office/drawing/2014/main" id="{7542DD8A-5CAA-8383-8D9C-59D894D7C2F1}"/>
-              </a:ext>
-            </a:extLst>
-          </p:cNvPr>
+            <a:endParaRPr lang="en-US"/>
+          </a:p>
+        </p:txBody>
+      </p:sp>
+      <p:sp>
+        <p:nvSpPr>
+          <p:cNvPr id="3" name="Date Placeholder 2"/>
           <p:cNvSpPr>
             <a:spLocks noGrp="1"/>
           </p:cNvSpPr>
@@ -2315,7 +2144,6 @@
           <a:p>
             <a:fld id="{FBC5AFB7-B064-4C5B-8400-461C6FACE78A}" type="datetimeFigureOut">
               <a:rPr lang="en-US" smtClean="0"/>
-              <a:t>01/02/2024</a:t>
             </a:fld>
             <a:endParaRPr lang="en-US"/>
           </a:p>
@@ -2323,13 +2151,7 @@
       </p:sp>
       <p:sp>
         <p:nvSpPr>
-          <p:cNvPr id="4" name="Footer Placeholder 3">
-            <a:extLst>
-              <a:ext uri="{FF2B5EF4-FFF2-40B4-BE49-F238E27FC236}">
-                <a16:creationId xmlns:a16="http://schemas.microsoft.com/office/drawing/2014/main" id="{E68EDB16-59ED-CB12-A655-E8DEFA533DBA}"/>
-              </a:ext>
-            </a:extLst>
-          </p:cNvPr>
+          <p:cNvPr id="4" name="Footer Placeholder 3"/>
           <p:cNvSpPr>
             <a:spLocks noGrp="1"/>
           </p:cNvSpPr>
@@ -2348,13 +2170,7 @@
       </p:sp>
       <p:sp>
         <p:nvSpPr>
-          <p:cNvPr id="5" name="Slide Number Placeholder 4">
-            <a:extLst>
-              <a:ext uri="{FF2B5EF4-FFF2-40B4-BE49-F238E27FC236}">
-                <a16:creationId xmlns:a16="http://schemas.microsoft.com/office/drawing/2014/main" id="{75521010-DF71-A050-05B6-ACF39BE3DE1A}"/>
-              </a:ext>
-            </a:extLst>
-          </p:cNvPr>
+          <p:cNvPr id="5" name="Slide Number Placeholder 4"/>
           <p:cNvSpPr>
             <a:spLocks noGrp="1"/>
           </p:cNvSpPr>
@@ -2369,22 +2185,28 @@
           <a:p>
             <a:fld id="{3A3E06B9-8B3A-478A-9696-AB8C508979CC}" type="slidenum">
               <a:rPr lang="en-US" smtClean="0"/>
-              <a:t>‹#›</a:t>
             </a:fld>
             <a:endParaRPr lang="en-US"/>
           </a:p>
         </p:txBody>
       </p:sp>
     </p:spTree>
-    <p:extLst>
-      <p:ext uri="{BB962C8B-B14F-4D97-AF65-F5344CB8AC3E}">
-        <p14:creationId xmlns:p14="http://schemas.microsoft.com/office/powerpoint/2010/main" val="1779302890"/>
-      </p:ext>
-    </p:extLst>
   </p:cSld>
   <p:clrMapOvr>
     <a:masterClrMapping/>
   </p:clrMapOvr>
+  <mc:AlternateContent xmlns:mc="http://schemas.openxmlformats.org/markup-compatibility/2006">
+    <mc:Choice xmlns:p14="http://schemas.microsoft.com/office/powerpoint/2010/main" Requires="p14">
+      <p:transition spd="slow" p14:dur="1000">
+        <p:push dir="u"/>
+      </p:transition>
+    </mc:Choice>
+    <mc:Fallback>
+      <p:transition spd="slow">
+        <p:push dir="u"/>
+      </p:transition>
+    </mc:Fallback>
+  </mc:AlternateContent>
 </p:sldLayout>
 </file>
 
@@ -2407,13 +2229,7 @@
       </p:grpSpPr>
       <p:sp>
         <p:nvSpPr>
-          <p:cNvPr id="2" name="Date Placeholder 1">
-            <a:extLst>
-              <a:ext uri="{FF2B5EF4-FFF2-40B4-BE49-F238E27FC236}">
-                <a16:creationId xmlns:a16="http://schemas.microsoft.com/office/drawing/2014/main" id="{D1A94870-6F5C-384F-5C2D-A055C9D555AF}"/>
-              </a:ext>
-            </a:extLst>
-          </p:cNvPr>
+          <p:cNvPr id="2" name="Date Placeholder 1"/>
           <p:cNvSpPr>
             <a:spLocks noGrp="1"/>
           </p:cNvSpPr>
@@ -2428,7 +2244,6 @@
           <a:p>
             <a:fld id="{FBC5AFB7-B064-4C5B-8400-461C6FACE78A}" type="datetimeFigureOut">
               <a:rPr lang="en-US" smtClean="0"/>
-              <a:t>01/02/2024</a:t>
             </a:fld>
             <a:endParaRPr lang="en-US"/>
           </a:p>
@@ -2436,13 +2251,7 @@
       </p:sp>
       <p:sp>
         <p:nvSpPr>
-          <p:cNvPr id="3" name="Footer Placeholder 2">
-            <a:extLst>
-              <a:ext uri="{FF2B5EF4-FFF2-40B4-BE49-F238E27FC236}">
-                <a16:creationId xmlns:a16="http://schemas.microsoft.com/office/drawing/2014/main" id="{80187D2F-169D-F021-FD2B-4BF032D7A18F}"/>
-              </a:ext>
-            </a:extLst>
-          </p:cNvPr>
+          <p:cNvPr id="3" name="Footer Placeholder 2"/>
           <p:cNvSpPr>
             <a:spLocks noGrp="1"/>
           </p:cNvSpPr>
@@ -2461,13 +2270,7 @@
       </p:sp>
       <p:sp>
         <p:nvSpPr>
-          <p:cNvPr id="4" name="Slide Number Placeholder 3">
-            <a:extLst>
-              <a:ext uri="{FF2B5EF4-FFF2-40B4-BE49-F238E27FC236}">
-                <a16:creationId xmlns:a16="http://schemas.microsoft.com/office/drawing/2014/main" id="{C4902764-F82C-C6F1-C6EE-BBDF63708DFC}"/>
-              </a:ext>
-            </a:extLst>
-          </p:cNvPr>
+          <p:cNvPr id="4" name="Slide Number Placeholder 3"/>
           <p:cNvSpPr>
             <a:spLocks noGrp="1"/>
           </p:cNvSpPr>
@@ -2482,22 +2285,28 @@
           <a:p>
             <a:fld id="{3A3E06B9-8B3A-478A-9696-AB8C508979CC}" type="slidenum">
               <a:rPr lang="en-US" smtClean="0"/>
-              <a:t>‹#›</a:t>
             </a:fld>
             <a:endParaRPr lang="en-US"/>
           </a:p>
         </p:txBody>
       </p:sp>
     </p:spTree>
-    <p:extLst>
-      <p:ext uri="{BB962C8B-B14F-4D97-AF65-F5344CB8AC3E}">
-        <p14:creationId xmlns:p14="http://schemas.microsoft.com/office/powerpoint/2010/main" val="1311220514"/>
-      </p:ext>
-    </p:extLst>
   </p:cSld>
   <p:clrMapOvr>
     <a:masterClrMapping/>
   </p:clrMapOvr>
+  <mc:AlternateContent xmlns:mc="http://schemas.openxmlformats.org/markup-compatibility/2006">
+    <mc:Choice xmlns:p14="http://schemas.microsoft.com/office/powerpoint/2010/main" Requires="p14">
+      <p:transition spd="slow" p14:dur="1000">
+        <p:push dir="u"/>
+      </p:transition>
+    </mc:Choice>
+    <mc:Fallback>
+      <p:transition spd="slow">
+        <p:push dir="u"/>
+      </p:transition>
+    </mc:Fallback>
+  </mc:AlternateContent>
 </p:sldLayout>
 </file>
 
@@ -2520,13 +2329,7 @@
       </p:grpSpPr>
       <p:sp>
         <p:nvSpPr>
-          <p:cNvPr id="2" name="Title 1">
-            <a:extLst>
-              <a:ext uri="{FF2B5EF4-FFF2-40B4-BE49-F238E27FC236}">
-                <a16:creationId xmlns:a16="http://schemas.microsoft.com/office/drawing/2014/main" id="{3BAE1983-A25A-A600-B483-EE6523E1FD21}"/>
-              </a:ext>
-            </a:extLst>
-          </p:cNvPr>
+          <p:cNvPr id="2" name="Title 1"/>
           <p:cNvSpPr>
             <a:spLocks noGrp="1"/>
           </p:cNvSpPr>
@@ -2552,18 +2355,13 @@
               <a:rPr lang="en-US"/>
               <a:t>Click to edit Master title style</a:t>
             </a:r>
-          </a:p>
-        </p:txBody>
-      </p:sp>
-      <p:sp>
-        <p:nvSpPr>
-          <p:cNvPr id="3" name="Content Placeholder 2">
-            <a:extLst>
-              <a:ext uri="{FF2B5EF4-FFF2-40B4-BE49-F238E27FC236}">
-                <a16:creationId xmlns:a16="http://schemas.microsoft.com/office/drawing/2014/main" id="{27CCE3CC-AB6B-EF2B-78BA-89001C440D56}"/>
-              </a:ext>
-            </a:extLst>
-          </p:cNvPr>
+            <a:endParaRPr lang="en-US"/>
+          </a:p>
+        </p:txBody>
+      </p:sp>
+      <p:sp>
+        <p:nvSpPr>
+          <p:cNvPr id="3" name="Content Placeholder 2"/>
           <p:cNvSpPr>
             <a:spLocks noGrp="1"/>
           </p:cNvSpPr>
@@ -2614,6 +2412,7 @@
               <a:rPr lang="en-US"/>
               <a:t>Click to edit Master text styles</a:t>
             </a:r>
+            <a:endParaRPr lang="en-US"/>
           </a:p>
           <a:p>
             <a:pPr lvl="1"/>
@@ -2621,6 +2420,7 @@
               <a:rPr lang="en-US"/>
               <a:t>Second level</a:t>
             </a:r>
+            <a:endParaRPr lang="en-US"/>
           </a:p>
           <a:p>
             <a:pPr lvl="2"/>
@@ -2628,6 +2428,7 @@
               <a:rPr lang="en-US"/>
               <a:t>Third level</a:t>
             </a:r>
+            <a:endParaRPr lang="en-US"/>
           </a:p>
           <a:p>
             <a:pPr lvl="3"/>
@@ -2635,6 +2436,7 @@
               <a:rPr lang="en-US"/>
               <a:t>Fourth level</a:t>
             </a:r>
+            <a:endParaRPr lang="en-US"/>
           </a:p>
           <a:p>
             <a:pPr lvl="4"/>
@@ -2642,18 +2444,13 @@
               <a:rPr lang="en-US"/>
               <a:t>Fifth level</a:t>
             </a:r>
-          </a:p>
-        </p:txBody>
-      </p:sp>
-      <p:sp>
-        <p:nvSpPr>
-          <p:cNvPr id="4" name="Text Placeholder 3">
-            <a:extLst>
-              <a:ext uri="{FF2B5EF4-FFF2-40B4-BE49-F238E27FC236}">
-                <a16:creationId xmlns:a16="http://schemas.microsoft.com/office/drawing/2014/main" id="{4E762E04-AEEC-CB96-AEC8-5834C5FBC8D9}"/>
-              </a:ext>
-            </a:extLst>
-          </p:cNvPr>
+            <a:endParaRPr lang="en-US"/>
+          </a:p>
+        </p:txBody>
+      </p:sp>
+      <p:sp>
+        <p:nvSpPr>
+          <p:cNvPr id="4" name="Text Placeholder 3"/>
           <p:cNvSpPr>
             <a:spLocks noGrp="1"/>
           </p:cNvSpPr>
@@ -2713,18 +2510,13 @@
               <a:rPr lang="en-US"/>
               <a:t>Click to edit Master text styles</a:t>
             </a:r>
-          </a:p>
-        </p:txBody>
-      </p:sp>
-      <p:sp>
-        <p:nvSpPr>
-          <p:cNvPr id="5" name="Date Placeholder 4">
-            <a:extLst>
-              <a:ext uri="{FF2B5EF4-FFF2-40B4-BE49-F238E27FC236}">
-                <a16:creationId xmlns:a16="http://schemas.microsoft.com/office/drawing/2014/main" id="{CEE28BBF-C826-D67F-E1F6-39AD365CB47A}"/>
-              </a:ext>
-            </a:extLst>
-          </p:cNvPr>
+            <a:endParaRPr lang="en-US"/>
+          </a:p>
+        </p:txBody>
+      </p:sp>
+      <p:sp>
+        <p:nvSpPr>
+          <p:cNvPr id="5" name="Date Placeholder 4"/>
           <p:cNvSpPr>
             <a:spLocks noGrp="1"/>
           </p:cNvSpPr>
@@ -2739,7 +2531,6 @@
           <a:p>
             <a:fld id="{FBC5AFB7-B064-4C5B-8400-461C6FACE78A}" type="datetimeFigureOut">
               <a:rPr lang="en-US" smtClean="0"/>
-              <a:t>01/02/2024</a:t>
             </a:fld>
             <a:endParaRPr lang="en-US"/>
           </a:p>
@@ -2747,13 +2538,7 @@
       </p:sp>
       <p:sp>
         <p:nvSpPr>
-          <p:cNvPr id="6" name="Footer Placeholder 5">
-            <a:extLst>
-              <a:ext uri="{FF2B5EF4-FFF2-40B4-BE49-F238E27FC236}">
-                <a16:creationId xmlns:a16="http://schemas.microsoft.com/office/drawing/2014/main" id="{51C350A4-1D10-6325-7CD8-9B2F506DA667}"/>
-              </a:ext>
-            </a:extLst>
-          </p:cNvPr>
+          <p:cNvPr id="6" name="Footer Placeholder 5"/>
           <p:cNvSpPr>
             <a:spLocks noGrp="1"/>
           </p:cNvSpPr>
@@ -2772,13 +2557,7 @@
       </p:sp>
       <p:sp>
         <p:nvSpPr>
-          <p:cNvPr id="7" name="Slide Number Placeholder 6">
-            <a:extLst>
-              <a:ext uri="{FF2B5EF4-FFF2-40B4-BE49-F238E27FC236}">
-                <a16:creationId xmlns:a16="http://schemas.microsoft.com/office/drawing/2014/main" id="{E252870A-A077-5689-72B6-B38FEE677D2C}"/>
-              </a:ext>
-            </a:extLst>
-          </p:cNvPr>
+          <p:cNvPr id="7" name="Slide Number Placeholder 6"/>
           <p:cNvSpPr>
             <a:spLocks noGrp="1"/>
           </p:cNvSpPr>
@@ -2793,22 +2572,28 @@
           <a:p>
             <a:fld id="{3A3E06B9-8B3A-478A-9696-AB8C508979CC}" type="slidenum">
               <a:rPr lang="en-US" smtClean="0"/>
-              <a:t>‹#›</a:t>
             </a:fld>
             <a:endParaRPr lang="en-US"/>
           </a:p>
         </p:txBody>
       </p:sp>
     </p:spTree>
-    <p:extLst>
-      <p:ext uri="{BB962C8B-B14F-4D97-AF65-F5344CB8AC3E}">
-        <p14:creationId xmlns:p14="http://schemas.microsoft.com/office/powerpoint/2010/main" val="2164842764"/>
-      </p:ext>
-    </p:extLst>
   </p:cSld>
   <p:clrMapOvr>
     <a:masterClrMapping/>
   </p:clrMapOvr>
+  <mc:AlternateContent xmlns:mc="http://schemas.openxmlformats.org/markup-compatibility/2006">
+    <mc:Choice xmlns:p14="http://schemas.microsoft.com/office/powerpoint/2010/main" Requires="p14">
+      <p:transition spd="slow" p14:dur="1000">
+        <p:push dir="u"/>
+      </p:transition>
+    </mc:Choice>
+    <mc:Fallback>
+      <p:transition spd="slow">
+        <p:push dir="u"/>
+      </p:transition>
+    </mc:Fallback>
+  </mc:AlternateContent>
 </p:sldLayout>
 </file>
 
@@ -2831,13 +2616,7 @@
       </p:grpSpPr>
       <p:sp>
         <p:nvSpPr>
-          <p:cNvPr id="2" name="Title 1">
-            <a:extLst>
-              <a:ext uri="{FF2B5EF4-FFF2-40B4-BE49-F238E27FC236}">
-                <a16:creationId xmlns:a16="http://schemas.microsoft.com/office/drawing/2014/main" id="{D9307E5C-E0F5-33F2-E8C5-C001C0EC7A95}"/>
-              </a:ext>
-            </a:extLst>
-          </p:cNvPr>
+          <p:cNvPr id="2" name="Title 1"/>
           <p:cNvSpPr>
             <a:spLocks noGrp="1"/>
           </p:cNvSpPr>
@@ -2863,18 +2642,13 @@
               <a:rPr lang="en-US"/>
               <a:t>Click to edit Master title style</a:t>
             </a:r>
-          </a:p>
-        </p:txBody>
-      </p:sp>
-      <p:sp>
-        <p:nvSpPr>
-          <p:cNvPr id="3" name="Picture Placeholder 2">
-            <a:extLst>
-              <a:ext uri="{FF2B5EF4-FFF2-40B4-BE49-F238E27FC236}">
-                <a16:creationId xmlns:a16="http://schemas.microsoft.com/office/drawing/2014/main" id="{E718547D-7956-ECDF-7F97-386725DFDFD8}"/>
-              </a:ext>
-            </a:extLst>
-          </p:cNvPr>
+            <a:endParaRPr lang="en-US"/>
+          </a:p>
+        </p:txBody>
+      </p:sp>
+      <p:sp>
+        <p:nvSpPr>
+          <p:cNvPr id="3" name="Picture Placeholder 2"/>
           <p:cNvSpPr>
             <a:spLocks noGrp="1"/>
           </p:cNvSpPr>
@@ -2935,13 +2709,7 @@
       </p:sp>
       <p:sp>
         <p:nvSpPr>
-          <p:cNvPr id="4" name="Text Placeholder 3">
-            <a:extLst>
-              <a:ext uri="{FF2B5EF4-FFF2-40B4-BE49-F238E27FC236}">
-                <a16:creationId xmlns:a16="http://schemas.microsoft.com/office/drawing/2014/main" id="{63D6DCF7-BB72-68D4-16D4-D75ACB4290ED}"/>
-              </a:ext>
-            </a:extLst>
-          </p:cNvPr>
+          <p:cNvPr id="4" name="Text Placeholder 3"/>
           <p:cNvSpPr>
             <a:spLocks noGrp="1"/>
           </p:cNvSpPr>
@@ -3001,18 +2769,13 @@
               <a:rPr lang="en-US"/>
               <a:t>Click to edit Master text styles</a:t>
             </a:r>
-          </a:p>
-        </p:txBody>
-      </p:sp>
-      <p:sp>
-        <p:nvSpPr>
-          <p:cNvPr id="5" name="Date Placeholder 4">
-            <a:extLst>
-              <a:ext uri="{FF2B5EF4-FFF2-40B4-BE49-F238E27FC236}">
-                <a16:creationId xmlns:a16="http://schemas.microsoft.com/office/drawing/2014/main" id="{D3CA903B-E068-18D9-B054-2053F4064458}"/>
-              </a:ext>
-            </a:extLst>
-          </p:cNvPr>
+            <a:endParaRPr lang="en-US"/>
+          </a:p>
+        </p:txBody>
+      </p:sp>
+      <p:sp>
+        <p:nvSpPr>
+          <p:cNvPr id="5" name="Date Placeholder 4"/>
           <p:cNvSpPr>
             <a:spLocks noGrp="1"/>
           </p:cNvSpPr>
@@ -3027,7 +2790,6 @@
           <a:p>
             <a:fld id="{FBC5AFB7-B064-4C5B-8400-461C6FACE78A}" type="datetimeFigureOut">
               <a:rPr lang="en-US" smtClean="0"/>
-              <a:t>01/02/2024</a:t>
             </a:fld>
             <a:endParaRPr lang="en-US"/>
           </a:p>
@@ -3035,13 +2797,7 @@
       </p:sp>
       <p:sp>
         <p:nvSpPr>
-          <p:cNvPr id="6" name="Footer Placeholder 5">
-            <a:extLst>
-              <a:ext uri="{FF2B5EF4-FFF2-40B4-BE49-F238E27FC236}">
-                <a16:creationId xmlns:a16="http://schemas.microsoft.com/office/drawing/2014/main" id="{D3F98378-12F5-62A6-8319-A769065FC116}"/>
-              </a:ext>
-            </a:extLst>
-          </p:cNvPr>
+          <p:cNvPr id="6" name="Footer Placeholder 5"/>
           <p:cNvSpPr>
             <a:spLocks noGrp="1"/>
           </p:cNvSpPr>
@@ -3060,13 +2816,7 @@
       </p:sp>
       <p:sp>
         <p:nvSpPr>
-          <p:cNvPr id="7" name="Slide Number Placeholder 6">
-            <a:extLst>
-              <a:ext uri="{FF2B5EF4-FFF2-40B4-BE49-F238E27FC236}">
-                <a16:creationId xmlns:a16="http://schemas.microsoft.com/office/drawing/2014/main" id="{CE0B5A9B-8006-37D7-CC6A-2DD8B81E872F}"/>
-              </a:ext>
-            </a:extLst>
-          </p:cNvPr>
+          <p:cNvPr id="7" name="Slide Number Placeholder 6"/>
           <p:cNvSpPr>
             <a:spLocks noGrp="1"/>
           </p:cNvSpPr>
@@ -3081,22 +2831,28 @@
           <a:p>
             <a:fld id="{3A3E06B9-8B3A-478A-9696-AB8C508979CC}" type="slidenum">
               <a:rPr lang="en-US" smtClean="0"/>
-              <a:t>‹#›</a:t>
             </a:fld>
             <a:endParaRPr lang="en-US"/>
           </a:p>
         </p:txBody>
       </p:sp>
     </p:spTree>
-    <p:extLst>
-      <p:ext uri="{BB962C8B-B14F-4D97-AF65-F5344CB8AC3E}">
-        <p14:creationId xmlns:p14="http://schemas.microsoft.com/office/powerpoint/2010/main" val="2290181713"/>
-      </p:ext>
-    </p:extLst>
   </p:cSld>
   <p:clrMapOvr>
     <a:masterClrMapping/>
   </p:clrMapOvr>
+  <mc:AlternateContent xmlns:mc="http://schemas.openxmlformats.org/markup-compatibility/2006">
+    <mc:Choice xmlns:p14="http://schemas.microsoft.com/office/powerpoint/2010/main" Requires="p14">
+      <p:transition spd="slow" p14:dur="1000">
+        <p:push dir="u"/>
+      </p:transition>
+    </mc:Choice>
+    <mc:Fallback>
+      <p:transition spd="slow">
+        <p:push dir="u"/>
+      </p:transition>
+    </mc:Fallback>
+  </mc:AlternateContent>
 </p:sldLayout>
 </file>
 
@@ -3127,13 +2883,7 @@
       </p:grpSpPr>
       <p:sp>
         <p:nvSpPr>
-          <p:cNvPr id="2" name="Title Placeholder 1">
-            <a:extLst>
-              <a:ext uri="{FF2B5EF4-FFF2-40B4-BE49-F238E27FC236}">
-                <a16:creationId xmlns:a16="http://schemas.microsoft.com/office/drawing/2014/main" id="{A7373EA5-86A7-412E-0856-976888988989}"/>
-              </a:ext>
-            </a:extLst>
-          </p:cNvPr>
+          <p:cNvPr id="2" name="Title Placeholder 1"/>
           <p:cNvSpPr>
             <a:spLocks noGrp="1"/>
           </p:cNvSpPr>
@@ -3160,18 +2910,13 @@
               <a:rPr lang="en-US"/>
               <a:t>Click to edit Master title style</a:t>
             </a:r>
-          </a:p>
-        </p:txBody>
-      </p:sp>
-      <p:sp>
-        <p:nvSpPr>
-          <p:cNvPr id="3" name="Text Placeholder 2">
-            <a:extLst>
-              <a:ext uri="{FF2B5EF4-FFF2-40B4-BE49-F238E27FC236}">
-                <a16:creationId xmlns:a16="http://schemas.microsoft.com/office/drawing/2014/main" id="{04818760-8569-C5FB-DD6A-EBCCA590A2C9}"/>
-              </a:ext>
-            </a:extLst>
-          </p:cNvPr>
+            <a:endParaRPr lang="en-US"/>
+          </a:p>
+        </p:txBody>
+      </p:sp>
+      <p:sp>
+        <p:nvSpPr>
+          <p:cNvPr id="3" name="Text Placeholder 2"/>
           <p:cNvSpPr>
             <a:spLocks noGrp="1"/>
           </p:cNvSpPr>
@@ -3199,6 +2944,7 @@
               <a:rPr lang="en-US"/>
               <a:t>Click to edit Master text styles</a:t>
             </a:r>
+            <a:endParaRPr lang="en-US"/>
           </a:p>
           <a:p>
             <a:pPr lvl="1"/>
@@ -3206,6 +2952,7 @@
               <a:rPr lang="en-US"/>
               <a:t>Second level</a:t>
             </a:r>
+            <a:endParaRPr lang="en-US"/>
           </a:p>
           <a:p>
             <a:pPr lvl="2"/>
@@ -3213,6 +2960,7 @@
               <a:rPr lang="en-US"/>
               <a:t>Third level</a:t>
             </a:r>
+            <a:endParaRPr lang="en-US"/>
           </a:p>
           <a:p>
             <a:pPr lvl="3"/>
@@ -3220,6 +2968,7 @@
               <a:rPr lang="en-US"/>
               <a:t>Fourth level</a:t>
             </a:r>
+            <a:endParaRPr lang="en-US"/>
           </a:p>
           <a:p>
             <a:pPr lvl="4"/>
@@ -3227,18 +2976,13 @@
               <a:rPr lang="en-US"/>
               <a:t>Fifth level</a:t>
             </a:r>
-          </a:p>
-        </p:txBody>
-      </p:sp>
-      <p:sp>
-        <p:nvSpPr>
-          <p:cNvPr id="4" name="Date Placeholder 3">
-            <a:extLst>
-              <a:ext uri="{FF2B5EF4-FFF2-40B4-BE49-F238E27FC236}">
-                <a16:creationId xmlns:a16="http://schemas.microsoft.com/office/drawing/2014/main" id="{53278C42-469D-0561-BB5D-C7FD07934C68}"/>
-              </a:ext>
-            </a:extLst>
-          </p:cNvPr>
+            <a:endParaRPr lang="en-US"/>
+          </a:p>
+        </p:txBody>
+      </p:sp>
+      <p:sp>
+        <p:nvSpPr>
+          <p:cNvPr id="4" name="Date Placeholder 3"/>
           <p:cNvSpPr>
             <a:spLocks noGrp="1"/>
           </p:cNvSpPr>
@@ -3271,7 +3015,6 @@
           <a:p>
             <a:fld id="{FBC5AFB7-B064-4C5B-8400-461C6FACE78A}" type="datetimeFigureOut">
               <a:rPr lang="en-US" smtClean="0"/>
-              <a:t>01/02/2024</a:t>
             </a:fld>
             <a:endParaRPr lang="en-US"/>
           </a:p>
@@ -3279,13 +3022,7 @@
       </p:sp>
       <p:sp>
         <p:nvSpPr>
-          <p:cNvPr id="5" name="Footer Placeholder 4">
-            <a:extLst>
-              <a:ext uri="{FF2B5EF4-FFF2-40B4-BE49-F238E27FC236}">
-                <a16:creationId xmlns:a16="http://schemas.microsoft.com/office/drawing/2014/main" id="{16181821-FB72-BBDF-73FA-BA55E1651EA8}"/>
-              </a:ext>
-            </a:extLst>
-          </p:cNvPr>
+          <p:cNvPr id="5" name="Footer Placeholder 4"/>
           <p:cNvSpPr>
             <a:spLocks noGrp="1"/>
           </p:cNvSpPr>
@@ -3322,13 +3059,7 @@
       </p:sp>
       <p:sp>
         <p:nvSpPr>
-          <p:cNvPr id="6" name="Slide Number Placeholder 5">
-            <a:extLst>
-              <a:ext uri="{FF2B5EF4-FFF2-40B4-BE49-F238E27FC236}">
-                <a16:creationId xmlns:a16="http://schemas.microsoft.com/office/drawing/2014/main" id="{EC39E3FE-9449-C408-14A8-E09C08584ECF}"/>
-              </a:ext>
-            </a:extLst>
-          </p:cNvPr>
+          <p:cNvPr id="6" name="Slide Number Placeholder 5"/>
           <p:cNvSpPr>
             <a:spLocks noGrp="1"/>
           </p:cNvSpPr>
@@ -3361,18 +3092,12 @@
           <a:p>
             <a:fld id="{3A3E06B9-8B3A-478A-9696-AB8C508979CC}" type="slidenum">
               <a:rPr lang="en-US" smtClean="0"/>
-              <a:t>‹#›</a:t>
             </a:fld>
             <a:endParaRPr lang="en-US"/>
           </a:p>
         </p:txBody>
       </p:sp>
     </p:spTree>
-    <p:extLst>
-      <p:ext uri="{BB962C8B-B14F-4D97-AF65-F5344CB8AC3E}">
-        <p14:creationId xmlns:p14="http://schemas.microsoft.com/office/powerpoint/2010/main" val="818898378"/>
-      </p:ext>
-    </p:extLst>
   </p:cSld>
   <p:clrMap bg1="lt1" tx1="dk1" bg2="lt2" tx2="dk2" accent1="accent1" accent2="accent2" accent3="accent3" accent4="accent4" accent5="accent5" accent6="accent6" hlink="hlink" folHlink="folHlink"/>
   <p:sldLayoutIdLst>
@@ -3388,6 +3113,18 @@
     <p:sldLayoutId id="2147483658" r:id="rId10"/>
     <p:sldLayoutId id="2147483659" r:id="rId11"/>
   </p:sldLayoutIdLst>
+  <mc:AlternateContent xmlns:mc="http://schemas.openxmlformats.org/markup-compatibility/2006">
+    <mc:Choice xmlns:p14="http://schemas.microsoft.com/office/powerpoint/2010/main" Requires="p14">
+      <p:transition spd="slow" p14:dur="1000">
+        <p:push dir="u"/>
+      </p:transition>
+    </mc:Choice>
+    <mc:Fallback>
+      <p:transition spd="slow">
+        <p:push dir="u"/>
+      </p:transition>
+    </mc:Fallback>
+  </mc:AlternateContent>
   <p:txStyles>
     <p:titleStyle>
       <a:lvl1pPr algn="l" defTabSz="914400" rtl="0" eaLnBrk="1" latinLnBrk="0" hangingPunct="1">
@@ -3690,13 +3427,7 @@
       </p:grpSpPr>
       <p:grpSp>
         <p:nvGrpSpPr>
-          <p:cNvPr id="8" name="Group 7">
-            <a:extLst>
-              <a:ext uri="{FF2B5EF4-FFF2-40B4-BE49-F238E27FC236}">
-                <a16:creationId xmlns:a16="http://schemas.microsoft.com/office/drawing/2014/main" id="{0F855E70-DAF5-A74B-866B-A73AEFA7922D}"/>
-              </a:ext>
-            </a:extLst>
-          </p:cNvPr>
+          <p:cNvPr id="8" name="Group 7"/>
           <p:cNvGrpSpPr/>
           <p:nvPr/>
         </p:nvGrpSpPr>
@@ -3710,13 +3441,7 @@
         </p:grpSpPr>
         <p:sp>
           <p:nvSpPr>
-            <p:cNvPr id="4" name="Rectangle: Rounded Corners 3">
-              <a:extLst>
-                <a:ext uri="{FF2B5EF4-FFF2-40B4-BE49-F238E27FC236}">
-                  <a16:creationId xmlns:a16="http://schemas.microsoft.com/office/drawing/2014/main" id="{220CA680-C158-5902-8B68-F607D3BEA04F}"/>
-                </a:ext>
-              </a:extLst>
-            </p:cNvPr>
+            <p:cNvPr id="4" name="Rectangle: Rounded Corners 3"/>
             <p:cNvSpPr/>
             <p:nvPr/>
           </p:nvSpPr>
@@ -3764,13 +3489,7 @@
         </p:sp>
         <p:sp>
           <p:nvSpPr>
-            <p:cNvPr id="5" name="Oval 4">
-              <a:extLst>
-                <a:ext uri="{FF2B5EF4-FFF2-40B4-BE49-F238E27FC236}">
-                  <a16:creationId xmlns:a16="http://schemas.microsoft.com/office/drawing/2014/main" id="{93C0FEEC-7075-BD0F-EAA3-4E7FB899CCAB}"/>
-                </a:ext>
-              </a:extLst>
-            </p:cNvPr>
+            <p:cNvPr id="5" name="Oval 4"/>
             <p:cNvSpPr/>
             <p:nvPr/>
           </p:nvSpPr>
@@ -3816,13 +3535,7 @@
         </p:sp>
         <p:sp>
           <p:nvSpPr>
-            <p:cNvPr id="6" name="Oval 5">
-              <a:extLst>
-                <a:ext uri="{FF2B5EF4-FFF2-40B4-BE49-F238E27FC236}">
-                  <a16:creationId xmlns:a16="http://schemas.microsoft.com/office/drawing/2014/main" id="{1D9D771C-CE6D-267C-283D-15FEC98EBA36}"/>
-                </a:ext>
-              </a:extLst>
-            </p:cNvPr>
+            <p:cNvPr id="6" name="Oval 5"/>
             <p:cNvSpPr/>
             <p:nvPr/>
           </p:nvSpPr>
@@ -3868,13 +3581,7 @@
         </p:sp>
         <p:sp>
           <p:nvSpPr>
-            <p:cNvPr id="7" name="Oval 6">
-              <a:extLst>
-                <a:ext uri="{FF2B5EF4-FFF2-40B4-BE49-F238E27FC236}">
-                  <a16:creationId xmlns:a16="http://schemas.microsoft.com/office/drawing/2014/main" id="{30DBEC87-9CD7-C654-BF0B-FBA7A880BA3F}"/>
-                </a:ext>
-              </a:extLst>
-            </p:cNvPr>
+            <p:cNvPr id="7" name="Oval 6"/>
             <p:cNvSpPr/>
             <p:nvPr/>
           </p:nvSpPr>
@@ -3921,13 +3628,7 @@
       </p:grpSp>
       <p:sp>
         <p:nvSpPr>
-          <p:cNvPr id="2" name="Title 1">
-            <a:extLst>
-              <a:ext uri="{FF2B5EF4-FFF2-40B4-BE49-F238E27FC236}">
-                <a16:creationId xmlns:a16="http://schemas.microsoft.com/office/drawing/2014/main" id="{A1C501D4-EC12-FA2D-30C9-70A64CE1AFA7}"/>
-              </a:ext>
-            </a:extLst>
-          </p:cNvPr>
+          <p:cNvPr id="2" name="Title 1"/>
           <p:cNvSpPr>
             <a:spLocks noGrp="1"/>
           </p:cNvSpPr>
@@ -3985,20 +3686,14 @@
       </p:sp>
       <p:pic>
         <p:nvPicPr>
-          <p:cNvPr id="10" name="Picture 2">
-            <a:extLst>
-              <a:ext uri="{FF2B5EF4-FFF2-40B4-BE49-F238E27FC236}">
-                <a16:creationId xmlns:a16="http://schemas.microsoft.com/office/drawing/2014/main" id="{E5AA9C13-7F0D-6CE5-9423-FE8BCD6D2A8C}"/>
-              </a:ext>
-            </a:extLst>
-          </p:cNvPr>
+          <p:cNvPr id="10" name="Picture 2"/>
           <p:cNvPicPr>
             <a:picLocks noChangeAspect="1" noChangeArrowheads="1"/>
           </p:cNvPicPr>
           <p:nvPr/>
         </p:nvPicPr>
         <p:blipFill>
-          <a:blip r:embed="rId2">
+          <a:blip r:embed="rId1">
             <a:extLst>
               <a:ext uri="{28A0092B-C50C-407E-A947-70E740481C1C}">
                 <a14:useLocalDpi xmlns:a14="http://schemas.microsoft.com/office/drawing/2010/main" val="0"/>
@@ -4031,15 +3726,22 @@
         </p:spPr>
       </p:pic>
     </p:spTree>
-    <p:extLst>
-      <p:ext uri="{BB962C8B-B14F-4D97-AF65-F5344CB8AC3E}">
-        <p14:creationId xmlns:p14="http://schemas.microsoft.com/office/powerpoint/2010/main" val="2566947165"/>
-      </p:ext>
-    </p:extLst>
   </p:cSld>
   <p:clrMapOvr>
     <a:masterClrMapping/>
   </p:clrMapOvr>
+  <mc:AlternateContent xmlns:mc="http://schemas.openxmlformats.org/markup-compatibility/2006">
+    <mc:Choice xmlns:p14="http://schemas.microsoft.com/office/powerpoint/2010/main" Requires="p14">
+      <p:transition spd="slow" p14:dur="1000">
+        <p:push dir="u"/>
+      </p:transition>
+    </mc:Choice>
+    <mc:Fallback>
+      <p:transition spd="slow">
+        <p:push dir="u"/>
+      </p:transition>
+    </mc:Fallback>
+  </mc:AlternateContent>
 </p:sld>
 </file>
 
@@ -4062,13 +3764,7 @@
       </p:grpSpPr>
       <p:grpSp>
         <p:nvGrpSpPr>
-          <p:cNvPr id="8" name="Group 7">
-            <a:extLst>
-              <a:ext uri="{FF2B5EF4-FFF2-40B4-BE49-F238E27FC236}">
-                <a16:creationId xmlns:a16="http://schemas.microsoft.com/office/drawing/2014/main" id="{0F855E70-DAF5-A74B-866B-A73AEFA7922D}"/>
-              </a:ext>
-            </a:extLst>
-          </p:cNvPr>
+          <p:cNvPr id="8" name="Group 7"/>
           <p:cNvGrpSpPr/>
           <p:nvPr/>
         </p:nvGrpSpPr>
@@ -4082,13 +3778,7 @@
         </p:grpSpPr>
         <p:sp>
           <p:nvSpPr>
-            <p:cNvPr id="4" name="Rectangle: Rounded Corners 3">
-              <a:extLst>
-                <a:ext uri="{FF2B5EF4-FFF2-40B4-BE49-F238E27FC236}">
-                  <a16:creationId xmlns:a16="http://schemas.microsoft.com/office/drawing/2014/main" id="{220CA680-C158-5902-8B68-F607D3BEA04F}"/>
-                </a:ext>
-              </a:extLst>
-            </p:cNvPr>
+            <p:cNvPr id="4" name="Rectangle: Rounded Corners 3"/>
             <p:cNvSpPr/>
             <p:nvPr/>
           </p:nvSpPr>
@@ -4136,13 +3826,7 @@
         </p:sp>
         <p:sp>
           <p:nvSpPr>
-            <p:cNvPr id="5" name="Oval 4">
-              <a:extLst>
-                <a:ext uri="{FF2B5EF4-FFF2-40B4-BE49-F238E27FC236}">
-                  <a16:creationId xmlns:a16="http://schemas.microsoft.com/office/drawing/2014/main" id="{93C0FEEC-7075-BD0F-EAA3-4E7FB899CCAB}"/>
-                </a:ext>
-              </a:extLst>
-            </p:cNvPr>
+            <p:cNvPr id="5" name="Oval 4"/>
             <p:cNvSpPr/>
             <p:nvPr/>
           </p:nvSpPr>
@@ -4188,13 +3872,7 @@
         </p:sp>
         <p:sp>
           <p:nvSpPr>
-            <p:cNvPr id="6" name="Oval 5">
-              <a:extLst>
-                <a:ext uri="{FF2B5EF4-FFF2-40B4-BE49-F238E27FC236}">
-                  <a16:creationId xmlns:a16="http://schemas.microsoft.com/office/drawing/2014/main" id="{1D9D771C-CE6D-267C-283D-15FEC98EBA36}"/>
-                </a:ext>
-              </a:extLst>
-            </p:cNvPr>
+            <p:cNvPr id="6" name="Oval 5"/>
             <p:cNvSpPr/>
             <p:nvPr/>
           </p:nvSpPr>
@@ -4240,13 +3918,7 @@
         </p:sp>
         <p:sp>
           <p:nvSpPr>
-            <p:cNvPr id="7" name="Oval 6">
-              <a:extLst>
-                <a:ext uri="{FF2B5EF4-FFF2-40B4-BE49-F238E27FC236}">
-                  <a16:creationId xmlns:a16="http://schemas.microsoft.com/office/drawing/2014/main" id="{30DBEC87-9CD7-C654-BF0B-FBA7A880BA3F}"/>
-                </a:ext>
-              </a:extLst>
-            </p:cNvPr>
+            <p:cNvPr id="7" name="Oval 6"/>
             <p:cNvSpPr/>
             <p:nvPr/>
           </p:nvSpPr>
@@ -4293,13 +3965,7 @@
       </p:grpSp>
       <p:sp>
         <p:nvSpPr>
-          <p:cNvPr id="27" name="TextBox 26">
-            <a:extLst>
-              <a:ext uri="{FF2B5EF4-FFF2-40B4-BE49-F238E27FC236}">
-                <a16:creationId xmlns:a16="http://schemas.microsoft.com/office/drawing/2014/main" id="{975AEB9D-F876-AA43-5F0F-7CCAD415F4ED}"/>
-              </a:ext>
-            </a:extLst>
-          </p:cNvPr>
+          <p:cNvPr id="27" name="TextBox 26"/>
           <p:cNvSpPr txBox="1"/>
           <p:nvPr/>
         </p:nvSpPr>
@@ -4334,13 +4000,7 @@
       </p:sp>
       <p:sp>
         <p:nvSpPr>
-          <p:cNvPr id="9" name="Freeform 12">
-            <a:extLst>
-              <a:ext uri="{FF2B5EF4-FFF2-40B4-BE49-F238E27FC236}">
-                <a16:creationId xmlns:a16="http://schemas.microsoft.com/office/drawing/2014/main" id="{556B89A9-4A81-8A29-DCA9-59C95CFE768E}"/>
-              </a:ext>
-            </a:extLst>
-          </p:cNvPr>
+          <p:cNvPr id="9" name="Freeform 12"/>
           <p:cNvSpPr/>
           <p:nvPr/>
         </p:nvSpPr>
@@ -4377,7 +4037,7 @@
             </a:pathLst>
           </a:custGeom>
           <a:blipFill>
-            <a:blip r:embed="rId2"/>
+            <a:blip r:embed="rId1"/>
             <a:stretch>
               <a:fillRect/>
             </a:stretch>
@@ -4393,13 +4053,7 @@
       </p:sp>
       <p:sp>
         <p:nvSpPr>
-          <p:cNvPr id="10" name="Freeform 13">
-            <a:extLst>
-              <a:ext uri="{FF2B5EF4-FFF2-40B4-BE49-F238E27FC236}">
-                <a16:creationId xmlns:a16="http://schemas.microsoft.com/office/drawing/2014/main" id="{89086C0D-AC54-58DD-11F3-98C29D244A42}"/>
-              </a:ext>
-            </a:extLst>
-          </p:cNvPr>
+          <p:cNvPr id="10" name="Freeform 13"/>
           <p:cNvSpPr/>
           <p:nvPr/>
         </p:nvSpPr>
@@ -4436,7 +4090,7 @@
             </a:pathLst>
           </a:custGeom>
           <a:blipFill>
-            <a:blip r:embed="rId3"/>
+            <a:blip r:embed="rId2"/>
             <a:stretch>
               <a:fillRect/>
             </a:stretch>
@@ -4452,13 +4106,7 @@
       </p:sp>
       <p:sp>
         <p:nvSpPr>
-          <p:cNvPr id="11" name="Freeform 14">
-            <a:extLst>
-              <a:ext uri="{FF2B5EF4-FFF2-40B4-BE49-F238E27FC236}">
-                <a16:creationId xmlns:a16="http://schemas.microsoft.com/office/drawing/2014/main" id="{B625EB7F-4CF2-F08D-8B09-E4C3558BE388}"/>
-              </a:ext>
-            </a:extLst>
-          </p:cNvPr>
+          <p:cNvPr id="11" name="Freeform 14"/>
           <p:cNvSpPr/>
           <p:nvPr/>
         </p:nvSpPr>
@@ -4495,7 +4143,7 @@
             </a:pathLst>
           </a:custGeom>
           <a:blipFill>
-            <a:blip r:embed="rId4"/>
+            <a:blip r:embed="rId3"/>
             <a:stretch>
               <a:fillRect/>
             </a:stretch>
@@ -4511,13 +4159,7 @@
       </p:sp>
       <p:sp>
         <p:nvSpPr>
-          <p:cNvPr id="12" name="Freeform 15">
-            <a:extLst>
-              <a:ext uri="{FF2B5EF4-FFF2-40B4-BE49-F238E27FC236}">
-                <a16:creationId xmlns:a16="http://schemas.microsoft.com/office/drawing/2014/main" id="{F45CC72D-A136-626B-1BD8-3F06704E8200}"/>
-              </a:ext>
-            </a:extLst>
-          </p:cNvPr>
+          <p:cNvPr id="12" name="Freeform 15"/>
           <p:cNvSpPr/>
           <p:nvPr/>
         </p:nvSpPr>
@@ -4554,7 +4196,7 @@
             </a:pathLst>
           </a:custGeom>
           <a:blipFill>
-            <a:blip r:embed="rId5"/>
+            <a:blip r:embed="rId4"/>
             <a:stretch>
               <a:fillRect/>
             </a:stretch>
@@ -4570,13 +4212,7 @@
       </p:sp>
       <p:sp>
         <p:nvSpPr>
-          <p:cNvPr id="13" name="TextBox 17">
-            <a:extLst>
-              <a:ext uri="{FF2B5EF4-FFF2-40B4-BE49-F238E27FC236}">
-                <a16:creationId xmlns:a16="http://schemas.microsoft.com/office/drawing/2014/main" id="{094ADD7B-D45B-DC94-48A3-090814E642B8}"/>
-              </a:ext>
-            </a:extLst>
-          </p:cNvPr>
+          <p:cNvPr id="13" name="TextBox 17"/>
           <p:cNvSpPr txBox="1"/>
           <p:nvPr/>
         </p:nvSpPr>
@@ -4609,18 +4245,18 @@
               </a:rPr>
               <a:t>Pham Huy Hoang</a:t>
             </a:r>
-          </a:p>
-        </p:txBody>
-      </p:sp>
-      <p:sp>
-        <p:nvSpPr>
-          <p:cNvPr id="14" name="TextBox 18">
-            <a:extLst>
-              <a:ext uri="{FF2B5EF4-FFF2-40B4-BE49-F238E27FC236}">
-                <a16:creationId xmlns:a16="http://schemas.microsoft.com/office/drawing/2014/main" id="{199FC6C7-EDAF-E777-2F3D-27781440C76A}"/>
-              </a:ext>
-            </a:extLst>
-          </p:cNvPr>
+            <a:endParaRPr lang="en-US">
+              <a:solidFill>
+                <a:schemeClr val="bg1"/>
+              </a:solidFill>
+              <a:latin typeface="Consolas" panose="020B0609020204030204" pitchFamily="49" charset="0"/>
+            </a:endParaRPr>
+          </a:p>
+        </p:txBody>
+      </p:sp>
+      <p:sp>
+        <p:nvSpPr>
+          <p:cNvPr id="14" name="TextBox 18"/>
           <p:cNvSpPr txBox="1"/>
           <p:nvPr/>
         </p:nvSpPr>
@@ -4653,18 +4289,18 @@
               </a:rPr>
               <a:t>Tran Gia Toan</a:t>
             </a:r>
-          </a:p>
-        </p:txBody>
-      </p:sp>
-      <p:sp>
-        <p:nvSpPr>
-          <p:cNvPr id="15" name="TextBox 19">
-            <a:extLst>
-              <a:ext uri="{FF2B5EF4-FFF2-40B4-BE49-F238E27FC236}">
-                <a16:creationId xmlns:a16="http://schemas.microsoft.com/office/drawing/2014/main" id="{3D1B7D52-3C3B-D41D-B15D-292CFEF3DD70}"/>
-              </a:ext>
-            </a:extLst>
-          </p:cNvPr>
+            <a:endParaRPr lang="en-US">
+              <a:solidFill>
+                <a:schemeClr val="bg1"/>
+              </a:solidFill>
+              <a:latin typeface="Consolas" panose="020B0609020204030204" pitchFamily="49" charset="0"/>
+            </a:endParaRPr>
+          </a:p>
+        </p:txBody>
+      </p:sp>
+      <p:sp>
+        <p:nvSpPr>
+          <p:cNvPr id="15" name="TextBox 19"/>
           <p:cNvSpPr txBox="1"/>
           <p:nvPr/>
         </p:nvSpPr>
@@ -4697,18 +4333,18 @@
               </a:rPr>
               <a:t>Le Pham Tran Phu</a:t>
             </a:r>
-          </a:p>
-        </p:txBody>
-      </p:sp>
-      <p:sp>
-        <p:nvSpPr>
-          <p:cNvPr id="16" name="TextBox 20">
-            <a:extLst>
-              <a:ext uri="{FF2B5EF4-FFF2-40B4-BE49-F238E27FC236}">
-                <a16:creationId xmlns:a16="http://schemas.microsoft.com/office/drawing/2014/main" id="{8F9C7A16-D679-D69E-67C6-9FA569B7EB2C}"/>
-              </a:ext>
-            </a:extLst>
-          </p:cNvPr>
+            <a:endParaRPr lang="en-US">
+              <a:solidFill>
+                <a:schemeClr val="bg1"/>
+              </a:solidFill>
+              <a:latin typeface="Consolas" panose="020B0609020204030204" pitchFamily="49" charset="0"/>
+            </a:endParaRPr>
+          </a:p>
+        </p:txBody>
+      </p:sp>
+      <p:sp>
+        <p:nvSpPr>
+          <p:cNvPr id="16" name="TextBox 20"/>
           <p:cNvSpPr txBox="1"/>
           <p:nvPr/>
         </p:nvSpPr>
@@ -4741,18 +4377,18 @@
               </a:rPr>
               <a:t>Bui Quoc Viet</a:t>
             </a:r>
-          </a:p>
-        </p:txBody>
-      </p:sp>
-      <p:sp>
-        <p:nvSpPr>
-          <p:cNvPr id="17" name="TextBox 17">
-            <a:extLst>
-              <a:ext uri="{FF2B5EF4-FFF2-40B4-BE49-F238E27FC236}">
-                <a16:creationId xmlns:a16="http://schemas.microsoft.com/office/drawing/2014/main" id="{D1FEFF7D-70D1-C059-C267-9F16A7003C50}"/>
-              </a:ext>
-            </a:extLst>
-          </p:cNvPr>
+            <a:endParaRPr lang="en-US">
+              <a:solidFill>
+                <a:schemeClr val="bg1"/>
+              </a:solidFill>
+              <a:latin typeface="Consolas" panose="020B0609020204030204" pitchFamily="49" charset="0"/>
+            </a:endParaRPr>
+          </a:p>
+        </p:txBody>
+      </p:sp>
+      <p:sp>
+        <p:nvSpPr>
+          <p:cNvPr id="17" name="TextBox 17"/>
           <p:cNvSpPr txBox="1"/>
           <p:nvPr/>
         </p:nvSpPr>
@@ -4794,19 +4430,32 @@
               </a:rPr>
               <a:t>Ms. Nguyen Ha Vy</a:t>
             </a:r>
+            <a:endParaRPr lang="en-US" b="1">
+              <a:solidFill>
+                <a:srgbClr val="AA72D4"/>
+              </a:solidFill>
+              <a:latin typeface="Consolas" panose="020B0609020204030204" pitchFamily="49" charset="0"/>
+            </a:endParaRPr>
           </a:p>
         </p:txBody>
       </p:sp>
     </p:spTree>
-    <p:extLst>
-      <p:ext uri="{BB962C8B-B14F-4D97-AF65-F5344CB8AC3E}">
-        <p14:creationId xmlns:p14="http://schemas.microsoft.com/office/powerpoint/2010/main" val="1309514814"/>
-      </p:ext>
-    </p:extLst>
   </p:cSld>
   <p:clrMapOvr>
     <a:masterClrMapping/>
   </p:clrMapOvr>
+  <mc:AlternateContent xmlns:mc="http://schemas.openxmlformats.org/markup-compatibility/2006">
+    <mc:Choice xmlns:p14="http://schemas.microsoft.com/office/powerpoint/2010/main" Requires="p14">
+      <p:transition spd="slow" p14:dur="1000">
+        <p:push dir="u"/>
+      </p:transition>
+    </mc:Choice>
+    <mc:Fallback>
+      <p:transition spd="slow">
+        <p:push dir="u"/>
+      </p:transition>
+    </mc:Fallback>
+  </mc:AlternateContent>
 </p:sld>
 </file>
 
@@ -4829,13 +4478,7 @@
       </p:grpSpPr>
       <p:grpSp>
         <p:nvGrpSpPr>
-          <p:cNvPr id="4" name="Group 3">
-            <a:extLst>
-              <a:ext uri="{FF2B5EF4-FFF2-40B4-BE49-F238E27FC236}">
-                <a16:creationId xmlns:a16="http://schemas.microsoft.com/office/drawing/2014/main" id="{9674A270-02B6-9116-D79C-AF31FE28DD36}"/>
-              </a:ext>
-            </a:extLst>
-          </p:cNvPr>
+          <p:cNvPr id="4" name="Group 3"/>
           <p:cNvGrpSpPr/>
           <p:nvPr/>
         </p:nvGrpSpPr>
@@ -4849,13 +4492,7 @@
         </p:grpSpPr>
         <p:sp>
           <p:nvSpPr>
-            <p:cNvPr id="5" name="Rectangle: Rounded Corners 4">
-              <a:extLst>
-                <a:ext uri="{FF2B5EF4-FFF2-40B4-BE49-F238E27FC236}">
-                  <a16:creationId xmlns:a16="http://schemas.microsoft.com/office/drawing/2014/main" id="{49868CB7-04E9-5304-01D8-88A27A70853C}"/>
-                </a:ext>
-              </a:extLst>
-            </p:cNvPr>
+            <p:cNvPr id="5" name="Rectangle: Rounded Corners 4"/>
             <p:cNvSpPr/>
             <p:nvPr/>
           </p:nvSpPr>
@@ -4903,13 +4540,7 @@
         </p:sp>
         <p:sp>
           <p:nvSpPr>
-            <p:cNvPr id="6" name="Oval 5">
-              <a:extLst>
-                <a:ext uri="{FF2B5EF4-FFF2-40B4-BE49-F238E27FC236}">
-                  <a16:creationId xmlns:a16="http://schemas.microsoft.com/office/drawing/2014/main" id="{74B670C0-E787-E114-74F4-EE62A4A90C94}"/>
-                </a:ext>
-              </a:extLst>
-            </p:cNvPr>
+            <p:cNvPr id="6" name="Oval 5"/>
             <p:cNvSpPr/>
             <p:nvPr/>
           </p:nvSpPr>
@@ -4955,13 +4586,7 @@
         </p:sp>
         <p:sp>
           <p:nvSpPr>
-            <p:cNvPr id="7" name="Oval 6">
-              <a:extLst>
-                <a:ext uri="{FF2B5EF4-FFF2-40B4-BE49-F238E27FC236}">
-                  <a16:creationId xmlns:a16="http://schemas.microsoft.com/office/drawing/2014/main" id="{A1EE3CA1-BE9D-66E3-81E2-3E821458DB4B}"/>
-                </a:ext>
-              </a:extLst>
-            </p:cNvPr>
+            <p:cNvPr id="7" name="Oval 6"/>
             <p:cNvSpPr/>
             <p:nvPr/>
           </p:nvSpPr>
@@ -5007,13 +4632,7 @@
         </p:sp>
         <p:sp>
           <p:nvSpPr>
-            <p:cNvPr id="8" name="Oval 7">
-              <a:extLst>
-                <a:ext uri="{FF2B5EF4-FFF2-40B4-BE49-F238E27FC236}">
-                  <a16:creationId xmlns:a16="http://schemas.microsoft.com/office/drawing/2014/main" id="{F7046108-3814-DA74-F856-A01952058020}"/>
-                </a:ext>
-              </a:extLst>
-            </p:cNvPr>
+            <p:cNvPr id="8" name="Oval 7"/>
             <p:cNvSpPr/>
             <p:nvPr/>
           </p:nvSpPr>
@@ -5060,13 +4679,7 @@
       </p:grpSp>
       <p:sp>
         <p:nvSpPr>
-          <p:cNvPr id="11" name="TextBox 10">
-            <a:extLst>
-              <a:ext uri="{FF2B5EF4-FFF2-40B4-BE49-F238E27FC236}">
-                <a16:creationId xmlns:a16="http://schemas.microsoft.com/office/drawing/2014/main" id="{31F80255-C509-01FA-2814-7565AD905CD1}"/>
-              </a:ext>
-            </a:extLst>
-          </p:cNvPr>
+          <p:cNvPr id="11" name="TextBox 10"/>
           <p:cNvSpPr txBox="1"/>
           <p:nvPr/>
         </p:nvSpPr>
@@ -5096,25 +4709,25 @@
               </a:rPr>
               <a:t>INTRODUCTION</a:t>
             </a:r>
-          </a:p>
-        </p:txBody>
-      </p:sp>
-      <p:sp>
-        <p:nvSpPr>
-          <p:cNvPr id="2" name="TextBox 1">
-            <a:extLst>
-              <a:ext uri="{FF2B5EF4-FFF2-40B4-BE49-F238E27FC236}">
-                <a16:creationId xmlns:a16="http://schemas.microsoft.com/office/drawing/2014/main" id="{2AA3885F-9A47-2A62-3914-55F5D18D8770}"/>
-              </a:ext>
-            </a:extLst>
-          </p:cNvPr>
+            <a:endParaRPr lang="en-US" sz="4000" b="1">
+              <a:solidFill>
+                <a:srgbClr val="AA72D4"/>
+              </a:solidFill>
+              <a:latin typeface="Consolas" panose="020B0609020204030204" pitchFamily="49" charset="0"/>
+            </a:endParaRPr>
+          </a:p>
+        </p:txBody>
+      </p:sp>
+      <p:sp>
+        <p:nvSpPr>
+          <p:cNvPr id="2" name="TextBox 1"/>
           <p:cNvSpPr txBox="1"/>
           <p:nvPr/>
         </p:nvSpPr>
         <p:spPr>
           <a:xfrm>
             <a:off x="1379456" y="2317687"/>
-            <a:ext cx="9352230" cy="2800767"/>
+            <a:ext cx="9352230" cy="2799715"/>
           </a:xfrm>
           <a:prstGeom prst="rect">
             <a:avLst/>
@@ -5134,8 +4747,14 @@
                 </a:solidFill>
                 <a:latin typeface="Consolas" panose="020B0609020204030204" pitchFamily="49" charset="0"/>
               </a:rPr>
-              <a:t>A is a preety basic system implemented using ASP.NET, ReactJS, SQL Server.</a:t>
-            </a:r>
+              <a:t>A is a pretty basic system implemented using ASP.NET, ReactJS, SQL Server.</a:t>
+            </a:r>
+            <a:endParaRPr lang="en-US" sz="1600">
+              <a:solidFill>
+                <a:schemeClr val="bg1"/>
+              </a:solidFill>
+              <a:latin typeface="Consolas" panose="020B0609020204030204" pitchFamily="49" charset="0"/>
+            </a:endParaRPr>
           </a:p>
           <a:p>
             <a:endParaRPr lang="en-US" sz="1600">
@@ -5155,6 +4774,12 @@
               </a:rPr>
               <a:t>PHTV Bus Ticket Booking System is designed to automate the online ticket purchasing through an easy online bus booking system. With PHTV bus ticket reservation system you can manage/book reservations, clients data and passengers lists through its Admin page and book tickets effortlessly through the Bus reservation Website. </a:t>
             </a:r>
+            <a:endParaRPr lang="en-US" sz="1600">
+              <a:solidFill>
+                <a:schemeClr val="bg1"/>
+              </a:solidFill>
+              <a:latin typeface="Consolas" panose="020B0609020204030204" pitchFamily="49" charset="0"/>
+            </a:endParaRPr>
           </a:p>
           <a:p>
             <a:endParaRPr lang="en-US" sz="1600">
@@ -5174,19 +4799,32 @@
               </a:rPr>
               <a:t>Customer needs to register at the site to book tickets to the bus. After selecting the schedule, the user is presented a seating layout so that he can select seats of his choice.</a:t>
             </a:r>
+            <a:endParaRPr lang="en-US" sz="1600">
+              <a:solidFill>
+                <a:schemeClr val="bg1"/>
+              </a:solidFill>
+              <a:latin typeface="Consolas" panose="020B0609020204030204" pitchFamily="49" charset="0"/>
+            </a:endParaRPr>
           </a:p>
         </p:txBody>
       </p:sp>
     </p:spTree>
-    <p:extLst>
-      <p:ext uri="{BB962C8B-B14F-4D97-AF65-F5344CB8AC3E}">
-        <p14:creationId xmlns:p14="http://schemas.microsoft.com/office/powerpoint/2010/main" val="822595423"/>
-      </p:ext>
-    </p:extLst>
   </p:cSld>
   <p:clrMapOvr>
     <a:masterClrMapping/>
   </p:clrMapOvr>
+  <mc:AlternateContent xmlns:mc="http://schemas.openxmlformats.org/markup-compatibility/2006">
+    <mc:Choice xmlns:p14="http://schemas.microsoft.com/office/powerpoint/2010/main" Requires="p14">
+      <p:transition spd="slow" p14:dur="1000">
+        <p:push dir="u"/>
+      </p:transition>
+    </mc:Choice>
+    <mc:Fallback>
+      <p:transition spd="slow">
+        <p:push dir="u"/>
+      </p:transition>
+    </mc:Fallback>
+  </mc:AlternateContent>
 </p:sld>
 </file>
 
@@ -5209,13 +4847,7 @@
       </p:grpSpPr>
       <p:grpSp>
         <p:nvGrpSpPr>
-          <p:cNvPr id="4" name="Group 3">
-            <a:extLst>
-              <a:ext uri="{FF2B5EF4-FFF2-40B4-BE49-F238E27FC236}">
-                <a16:creationId xmlns:a16="http://schemas.microsoft.com/office/drawing/2014/main" id="{9674A270-02B6-9116-D79C-AF31FE28DD36}"/>
-              </a:ext>
-            </a:extLst>
-          </p:cNvPr>
+          <p:cNvPr id="4" name="Group 3"/>
           <p:cNvGrpSpPr/>
           <p:nvPr/>
         </p:nvGrpSpPr>
@@ -5229,13 +4861,7 @@
         </p:grpSpPr>
         <p:sp>
           <p:nvSpPr>
-            <p:cNvPr id="5" name="Rectangle: Rounded Corners 4">
-              <a:extLst>
-                <a:ext uri="{FF2B5EF4-FFF2-40B4-BE49-F238E27FC236}">
-                  <a16:creationId xmlns:a16="http://schemas.microsoft.com/office/drawing/2014/main" id="{49868CB7-04E9-5304-01D8-88A27A70853C}"/>
-                </a:ext>
-              </a:extLst>
-            </p:cNvPr>
+            <p:cNvPr id="5" name="Rectangle: Rounded Corners 4"/>
             <p:cNvSpPr/>
             <p:nvPr/>
           </p:nvSpPr>
@@ -5283,13 +4909,7 @@
         </p:sp>
         <p:sp>
           <p:nvSpPr>
-            <p:cNvPr id="6" name="Oval 5">
-              <a:extLst>
-                <a:ext uri="{FF2B5EF4-FFF2-40B4-BE49-F238E27FC236}">
-                  <a16:creationId xmlns:a16="http://schemas.microsoft.com/office/drawing/2014/main" id="{74B670C0-E787-E114-74F4-EE62A4A90C94}"/>
-                </a:ext>
-              </a:extLst>
-            </p:cNvPr>
+            <p:cNvPr id="6" name="Oval 5"/>
             <p:cNvSpPr/>
             <p:nvPr/>
           </p:nvSpPr>
@@ -5335,13 +4955,7 @@
         </p:sp>
         <p:sp>
           <p:nvSpPr>
-            <p:cNvPr id="7" name="Oval 6">
-              <a:extLst>
-                <a:ext uri="{FF2B5EF4-FFF2-40B4-BE49-F238E27FC236}">
-                  <a16:creationId xmlns:a16="http://schemas.microsoft.com/office/drawing/2014/main" id="{A1EE3CA1-BE9D-66E3-81E2-3E821458DB4B}"/>
-                </a:ext>
-              </a:extLst>
-            </p:cNvPr>
+            <p:cNvPr id="7" name="Oval 6"/>
             <p:cNvSpPr/>
             <p:nvPr/>
           </p:nvSpPr>
@@ -5387,13 +5001,7 @@
         </p:sp>
         <p:sp>
           <p:nvSpPr>
-            <p:cNvPr id="8" name="Oval 7">
-              <a:extLst>
-                <a:ext uri="{FF2B5EF4-FFF2-40B4-BE49-F238E27FC236}">
-                  <a16:creationId xmlns:a16="http://schemas.microsoft.com/office/drawing/2014/main" id="{F7046108-3814-DA74-F856-A01952058020}"/>
-                </a:ext>
-              </a:extLst>
-            </p:cNvPr>
+            <p:cNvPr id="8" name="Oval 7"/>
             <p:cNvSpPr/>
             <p:nvPr/>
           </p:nvSpPr>
@@ -5440,13 +5048,7 @@
       </p:grpSp>
       <p:sp>
         <p:nvSpPr>
-          <p:cNvPr id="11" name="TextBox 10">
-            <a:extLst>
-              <a:ext uri="{FF2B5EF4-FFF2-40B4-BE49-F238E27FC236}">
-                <a16:creationId xmlns:a16="http://schemas.microsoft.com/office/drawing/2014/main" id="{31F80255-C509-01FA-2814-7565AD905CD1}"/>
-              </a:ext>
-            </a:extLst>
-          </p:cNvPr>
+          <p:cNvPr id="11" name="TextBox 10"/>
           <p:cNvSpPr txBox="1"/>
           <p:nvPr/>
         </p:nvSpPr>
@@ -5476,18 +5078,18 @@
               </a:rPr>
               <a:t>TECHNOLOGY</a:t>
             </a:r>
-          </a:p>
-        </p:txBody>
-      </p:sp>
-      <p:sp>
-        <p:nvSpPr>
-          <p:cNvPr id="9" name="TextBox 5">
-            <a:extLst>
-              <a:ext uri="{FF2B5EF4-FFF2-40B4-BE49-F238E27FC236}">
-                <a16:creationId xmlns:a16="http://schemas.microsoft.com/office/drawing/2014/main" id="{FA6A5097-C178-8787-1396-8891FC279AE1}"/>
-              </a:ext>
-            </a:extLst>
-          </p:cNvPr>
+            <a:endParaRPr lang="en-US" sz="4000" b="1">
+              <a:solidFill>
+                <a:srgbClr val="AA72D4"/>
+              </a:solidFill>
+              <a:latin typeface="Consolas" panose="020B0609020204030204" pitchFamily="49" charset="0"/>
+            </a:endParaRPr>
+          </a:p>
+        </p:txBody>
+      </p:sp>
+      <p:sp>
+        <p:nvSpPr>
+          <p:cNvPr id="9" name="TextBox 5"/>
           <p:cNvSpPr txBox="1"/>
           <p:nvPr/>
         </p:nvSpPr>
@@ -5533,6 +5135,13 @@
               </a:rPr>
               <a:t>- A proprietary relational database management system developed by Microsoft. </a:t>
             </a:r>
+            <a:endParaRPr lang="en-US" sz="1400">
+              <a:solidFill>
+                <a:srgbClr val="FDFAF0"/>
+              </a:solidFill>
+              <a:latin typeface="Consolas" panose="020B0609020204030204" pitchFamily="49" charset="0"/>
+              <a:ea typeface="Red Hat Display" panose="02010503040201060303"/>
+            </a:endParaRPr>
           </a:p>
           <a:p>
             <a:pPr marL="285750" indent="-285750">
@@ -5562,6 +5171,13 @@
               </a:rPr>
               <a:t>- A server-side web-application framework designed for web development to produce dynamic web pages.</a:t>
             </a:r>
+            <a:endParaRPr lang="en-US" sz="1400">
+              <a:solidFill>
+                <a:srgbClr val="FDFAF0"/>
+              </a:solidFill>
+              <a:latin typeface="Consolas" panose="020B0609020204030204" pitchFamily="49" charset="0"/>
+              <a:ea typeface="Red Hat Display" panose="02010503040201060303"/>
+            </a:endParaRPr>
           </a:p>
           <a:p>
             <a:pPr marL="285750" indent="-285750">
@@ -5591,6 +5207,13 @@
               </a:rPr>
               <a:t> - A JavaScript library for building user interfaces.</a:t>
             </a:r>
+            <a:endParaRPr lang="en-US" sz="1400">
+              <a:solidFill>
+                <a:srgbClr val="FDFAF0"/>
+              </a:solidFill>
+              <a:latin typeface="Consolas" panose="020B0609020204030204" pitchFamily="49" charset="0"/>
+              <a:ea typeface="Red Hat Display" panose="02010503040201060303"/>
+            </a:endParaRPr>
           </a:p>
           <a:p>
             <a:pPr marL="285750" indent="-285750">
@@ -5620,6 +5243,13 @@
               </a:rPr>
               <a:t> - A predictable state container for JavaScript apps.</a:t>
             </a:r>
+            <a:endParaRPr lang="en-US" sz="1400">
+              <a:solidFill>
+                <a:srgbClr val="FDFAF0"/>
+              </a:solidFill>
+              <a:latin typeface="Consolas" panose="020B0609020204030204" pitchFamily="49" charset="0"/>
+              <a:ea typeface="Red Hat Display" panose="02010503040201060303"/>
+            </a:endParaRPr>
           </a:p>
           <a:p>
             <a:pPr marL="285750" indent="-285750">
@@ -5649,6 +5279,13 @@
               </a:rPr>
               <a:t> - A JavaScript runtime built on Chrome's V8 JavaScript engine</a:t>
             </a:r>
+            <a:endParaRPr lang="en-US" sz="1400">
+              <a:solidFill>
+                <a:srgbClr val="FDFAF0"/>
+              </a:solidFill>
+              <a:latin typeface="Consolas" panose="020B0609020204030204" pitchFamily="49" charset="0"/>
+              <a:ea typeface="Red Hat Display" panose="02010503040201060303"/>
+            </a:endParaRPr>
           </a:p>
           <a:p>
             <a:pPr>
@@ -5667,15 +5304,22 @@
         </p:txBody>
       </p:sp>
     </p:spTree>
-    <p:extLst>
-      <p:ext uri="{BB962C8B-B14F-4D97-AF65-F5344CB8AC3E}">
-        <p14:creationId xmlns:p14="http://schemas.microsoft.com/office/powerpoint/2010/main" val="1219945889"/>
-      </p:ext>
-    </p:extLst>
   </p:cSld>
   <p:clrMapOvr>
     <a:masterClrMapping/>
   </p:clrMapOvr>
+  <mc:AlternateContent xmlns:mc="http://schemas.openxmlformats.org/markup-compatibility/2006">
+    <mc:Choice xmlns:p14="http://schemas.microsoft.com/office/powerpoint/2010/main" Requires="p14">
+      <p:transition spd="slow" p14:dur="1000">
+        <p:push dir="u"/>
+      </p:transition>
+    </mc:Choice>
+    <mc:Fallback>
+      <p:transition spd="slow">
+        <p:push dir="u"/>
+      </p:transition>
+    </mc:Fallback>
+  </mc:AlternateContent>
 </p:sld>
 </file>
 
@@ -5698,13 +5342,7 @@
       </p:grpSpPr>
       <p:grpSp>
         <p:nvGrpSpPr>
-          <p:cNvPr id="4" name="Group 3">
-            <a:extLst>
-              <a:ext uri="{FF2B5EF4-FFF2-40B4-BE49-F238E27FC236}">
-                <a16:creationId xmlns:a16="http://schemas.microsoft.com/office/drawing/2014/main" id="{9674A270-02B6-9116-D79C-AF31FE28DD36}"/>
-              </a:ext>
-            </a:extLst>
-          </p:cNvPr>
+          <p:cNvPr id="4" name="Group 3"/>
           <p:cNvGrpSpPr/>
           <p:nvPr/>
         </p:nvGrpSpPr>
@@ -5718,13 +5356,7 @@
         </p:grpSpPr>
         <p:sp>
           <p:nvSpPr>
-            <p:cNvPr id="5" name="Rectangle: Rounded Corners 4">
-              <a:extLst>
-                <a:ext uri="{FF2B5EF4-FFF2-40B4-BE49-F238E27FC236}">
-                  <a16:creationId xmlns:a16="http://schemas.microsoft.com/office/drawing/2014/main" id="{49868CB7-04E9-5304-01D8-88A27A70853C}"/>
-                </a:ext>
-              </a:extLst>
-            </p:cNvPr>
+            <p:cNvPr id="5" name="Rectangle: Rounded Corners 4"/>
             <p:cNvSpPr/>
             <p:nvPr/>
           </p:nvSpPr>
@@ -5772,13 +5404,7 @@
         </p:sp>
         <p:sp>
           <p:nvSpPr>
-            <p:cNvPr id="6" name="Oval 5">
-              <a:extLst>
-                <a:ext uri="{FF2B5EF4-FFF2-40B4-BE49-F238E27FC236}">
-                  <a16:creationId xmlns:a16="http://schemas.microsoft.com/office/drawing/2014/main" id="{74B670C0-E787-E114-74F4-EE62A4A90C94}"/>
-                </a:ext>
-              </a:extLst>
-            </p:cNvPr>
+            <p:cNvPr id="6" name="Oval 5"/>
             <p:cNvSpPr/>
             <p:nvPr/>
           </p:nvSpPr>
@@ -5824,13 +5450,7 @@
         </p:sp>
         <p:sp>
           <p:nvSpPr>
-            <p:cNvPr id="7" name="Oval 6">
-              <a:extLst>
-                <a:ext uri="{FF2B5EF4-FFF2-40B4-BE49-F238E27FC236}">
-                  <a16:creationId xmlns:a16="http://schemas.microsoft.com/office/drawing/2014/main" id="{A1EE3CA1-BE9D-66E3-81E2-3E821458DB4B}"/>
-                </a:ext>
-              </a:extLst>
-            </p:cNvPr>
+            <p:cNvPr id="7" name="Oval 6"/>
             <p:cNvSpPr/>
             <p:nvPr/>
           </p:nvSpPr>
@@ -5876,13 +5496,7 @@
         </p:sp>
         <p:sp>
           <p:nvSpPr>
-            <p:cNvPr id="8" name="Oval 7">
-              <a:extLst>
-                <a:ext uri="{FF2B5EF4-FFF2-40B4-BE49-F238E27FC236}">
-                  <a16:creationId xmlns:a16="http://schemas.microsoft.com/office/drawing/2014/main" id="{F7046108-3814-DA74-F856-A01952058020}"/>
-                </a:ext>
-              </a:extLst>
-            </p:cNvPr>
+            <p:cNvPr id="8" name="Oval 7"/>
             <p:cNvSpPr/>
             <p:nvPr/>
           </p:nvSpPr>
@@ -5929,13 +5543,7 @@
       </p:grpSp>
       <p:sp>
         <p:nvSpPr>
-          <p:cNvPr id="11" name="TextBox 10">
-            <a:extLst>
-              <a:ext uri="{FF2B5EF4-FFF2-40B4-BE49-F238E27FC236}">
-                <a16:creationId xmlns:a16="http://schemas.microsoft.com/office/drawing/2014/main" id="{31F80255-C509-01FA-2814-7565AD905CD1}"/>
-              </a:ext>
-            </a:extLst>
-          </p:cNvPr>
+          <p:cNvPr id="11" name="TextBox 10"/>
           <p:cNvSpPr txBox="1"/>
           <p:nvPr/>
         </p:nvSpPr>
@@ -5965,18 +5573,18 @@
               </a:rPr>
               <a:t>FEATURES</a:t>
             </a:r>
-          </a:p>
-        </p:txBody>
-      </p:sp>
-      <p:sp>
-        <p:nvSpPr>
-          <p:cNvPr id="9" name="TextBox 5">
-            <a:extLst>
-              <a:ext uri="{FF2B5EF4-FFF2-40B4-BE49-F238E27FC236}">
-                <a16:creationId xmlns:a16="http://schemas.microsoft.com/office/drawing/2014/main" id="{FA6A5097-C178-8787-1396-8891FC279AE1}"/>
-              </a:ext>
-            </a:extLst>
-          </p:cNvPr>
+            <a:endParaRPr lang="en-US" sz="4000" b="1">
+              <a:solidFill>
+                <a:srgbClr val="AA72D4"/>
+              </a:solidFill>
+              <a:latin typeface="Consolas" panose="020B0609020204030204" pitchFamily="49" charset="0"/>
+            </a:endParaRPr>
+          </a:p>
+        </p:txBody>
+      </p:sp>
+      <p:sp>
+        <p:nvSpPr>
+          <p:cNvPr id="9" name="TextBox 5"/>
           <p:cNvSpPr txBox="1"/>
           <p:nvPr/>
         </p:nvSpPr>
@@ -6012,6 +5620,13 @@
               </a:rPr>
               <a:t>Login/Logout to System with authentication, encrypt password</a:t>
             </a:r>
+            <a:endParaRPr lang="en-US" sz="1400">
+              <a:solidFill>
+                <a:schemeClr val="bg1"/>
+              </a:solidFill>
+              <a:latin typeface="Consolas" panose="020B0609020204030204" pitchFamily="49" charset="0"/>
+              <a:ea typeface="Red Hat Display" panose="02010503040201060303"/>
+            </a:endParaRPr>
           </a:p>
           <a:p>
             <a:pPr marL="285750" indent="-285750">
@@ -6031,6 +5646,13 @@
               </a:rPr>
               <a:t>Search for schedule, filter the schedule by time, price and bus type</a:t>
             </a:r>
+            <a:endParaRPr lang="en-US" sz="1400">
+              <a:solidFill>
+                <a:srgbClr val="AA72D4"/>
+              </a:solidFill>
+              <a:latin typeface="Consolas" panose="020B0609020204030204" pitchFamily="49" charset="0"/>
+              <a:ea typeface="Red Hat Display" panose="02010503040201060303"/>
+            </a:endParaRPr>
           </a:p>
           <a:p>
             <a:pPr marL="285750" indent="-285750">
@@ -6050,6 +5672,13 @@
               </a:rPr>
               <a:t>Select seat, purchase a Ticket, make online payments, apply discount voucher</a:t>
             </a:r>
+            <a:endParaRPr lang="en-US" sz="1400">
+              <a:solidFill>
+                <a:schemeClr val="bg1"/>
+              </a:solidFill>
+              <a:latin typeface="Consolas" panose="020B0609020204030204" pitchFamily="49" charset="0"/>
+              <a:ea typeface="Red Hat Display" panose="02010503040201060303"/>
+            </a:endParaRPr>
           </a:p>
           <a:p>
             <a:pPr marL="285750" indent="-285750">
@@ -6069,6 +5698,13 @@
               </a:rPr>
               <a:t>Generates QR codes for confirmed tickets</a:t>
             </a:r>
+            <a:endParaRPr lang="en-US" sz="1400">
+              <a:solidFill>
+                <a:srgbClr val="AA72D4"/>
+              </a:solidFill>
+              <a:latin typeface="Consolas" panose="020B0609020204030204" pitchFamily="49" charset="0"/>
+              <a:ea typeface="Red Hat Display" panose="02010503040201060303"/>
+            </a:endParaRPr>
           </a:p>
           <a:p>
             <a:pPr marL="285750" indent="-285750">
@@ -6088,6 +5724,13 @@
               </a:rPr>
               <a:t>Sends forget password email, confirm ticket order email</a:t>
             </a:r>
+            <a:endParaRPr lang="en-US" sz="1400">
+              <a:solidFill>
+                <a:schemeClr val="bg1"/>
+              </a:solidFill>
+              <a:latin typeface="Consolas" panose="020B0609020204030204" pitchFamily="49" charset="0"/>
+              <a:ea typeface="Red Hat Display" panose="02010503040201060303"/>
+            </a:endParaRPr>
           </a:p>
           <a:p>
             <a:pPr marL="285750" indent="-285750">
@@ -6107,6 +5750,13 @@
               </a:rPr>
               <a:t>Ticket tracking</a:t>
             </a:r>
+            <a:endParaRPr lang="en-US" sz="1400">
+              <a:solidFill>
+                <a:srgbClr val="AA72D4"/>
+              </a:solidFill>
+              <a:latin typeface="Consolas" panose="020B0609020204030204" pitchFamily="49" charset="0"/>
+              <a:ea typeface="Red Hat Display" panose="02010503040201060303"/>
+            </a:endParaRPr>
           </a:p>
           <a:p>
             <a:pPr marL="285750" indent="-285750">
@@ -6126,6 +5776,13 @@
               </a:rPr>
               <a:t>Cancel a Ticket and get refund</a:t>
             </a:r>
+            <a:endParaRPr lang="en-US" sz="1400">
+              <a:solidFill>
+                <a:schemeClr val="bg1"/>
+              </a:solidFill>
+              <a:latin typeface="Consolas" panose="020B0609020204030204" pitchFamily="49" charset="0"/>
+              <a:ea typeface="Red Hat Display" panose="02010503040201060303"/>
+            </a:endParaRPr>
           </a:p>
           <a:p>
             <a:pPr marL="285750" indent="-285750">
@@ -6145,6 +5802,13 @@
               </a:rPr>
               <a:t>Register to be driver</a:t>
             </a:r>
+            <a:endParaRPr lang="en-US" sz="1400">
+              <a:solidFill>
+                <a:srgbClr val="AA72D4"/>
+              </a:solidFill>
+              <a:latin typeface="Consolas" panose="020B0609020204030204" pitchFamily="49" charset="0"/>
+              <a:ea typeface="Red Hat Display" panose="02010503040201060303"/>
+            </a:endParaRPr>
           </a:p>
           <a:p>
             <a:pPr marL="285750" indent="-285750">
@@ -6164,6 +5828,13 @@
               </a:rPr>
               <a:t>Driver tracking their assigned bus and schedule</a:t>
             </a:r>
+            <a:endParaRPr lang="en-US" sz="1400">
+              <a:solidFill>
+                <a:schemeClr val="bg1"/>
+              </a:solidFill>
+              <a:latin typeface="Consolas" panose="020B0609020204030204" pitchFamily="49" charset="0"/>
+              <a:ea typeface="Red Hat Display" panose="02010503040201060303"/>
+            </a:endParaRPr>
           </a:p>
           <a:p>
             <a:pPr marL="285750" indent="-285750">
@@ -6183,6 +5854,13 @@
               </a:rPr>
               <a:t>Overview Profit/Revenue by chart</a:t>
             </a:r>
+            <a:endParaRPr lang="en-US" sz="1400">
+              <a:solidFill>
+                <a:srgbClr val="AA72D4"/>
+              </a:solidFill>
+              <a:latin typeface="Consolas" panose="020B0609020204030204" pitchFamily="49" charset="0"/>
+              <a:ea typeface="Red Hat Display" panose="02010503040201060303"/>
+            </a:endParaRPr>
           </a:p>
           <a:p>
             <a:pPr marL="285750" indent="-285750">
@@ -6202,6 +5880,13 @@
               </a:rPr>
               <a:t>Fully CRUD function in Admin page</a:t>
             </a:r>
+            <a:endParaRPr lang="en-US" sz="1400">
+              <a:solidFill>
+                <a:schemeClr val="bg1"/>
+              </a:solidFill>
+              <a:latin typeface="Consolas" panose="020B0609020204030204" pitchFamily="49" charset="0"/>
+              <a:ea typeface="Red Hat Display" panose="02010503040201060303"/>
+            </a:endParaRPr>
           </a:p>
           <a:p>
             <a:pPr marL="285750" indent="-285750">
@@ -6221,19 +5906,33 @@
               </a:rPr>
               <a:t>…</a:t>
             </a:r>
+            <a:endParaRPr lang="en-US" sz="1400">
+              <a:solidFill>
+                <a:schemeClr val="bg1"/>
+              </a:solidFill>
+              <a:latin typeface="Consolas" panose="020B0609020204030204" pitchFamily="49" charset="0"/>
+              <a:ea typeface="Red Hat Display" panose="02010503040201060303"/>
+            </a:endParaRPr>
           </a:p>
         </p:txBody>
       </p:sp>
     </p:spTree>
-    <p:extLst>
-      <p:ext uri="{BB962C8B-B14F-4D97-AF65-F5344CB8AC3E}">
-        <p14:creationId xmlns:p14="http://schemas.microsoft.com/office/powerpoint/2010/main" val="3197146951"/>
-      </p:ext>
-    </p:extLst>
   </p:cSld>
   <p:clrMapOvr>
     <a:masterClrMapping/>
   </p:clrMapOvr>
+  <mc:AlternateContent xmlns:mc="http://schemas.openxmlformats.org/markup-compatibility/2006">
+    <mc:Choice xmlns:p14="http://schemas.microsoft.com/office/powerpoint/2010/main" Requires="p14">
+      <p:transition spd="slow" p14:dur="1000">
+        <p:push dir="u"/>
+      </p:transition>
+    </mc:Choice>
+    <mc:Fallback>
+      <p:transition spd="slow">
+        <p:push dir="u"/>
+      </p:transition>
+    </mc:Fallback>
+  </mc:AlternateContent>
 </p:sld>
 </file>
 
@@ -6256,13 +5955,7 @@
       </p:grpSpPr>
       <p:grpSp>
         <p:nvGrpSpPr>
-          <p:cNvPr id="8" name="Group 7">
-            <a:extLst>
-              <a:ext uri="{FF2B5EF4-FFF2-40B4-BE49-F238E27FC236}">
-                <a16:creationId xmlns:a16="http://schemas.microsoft.com/office/drawing/2014/main" id="{0F855E70-DAF5-A74B-866B-A73AEFA7922D}"/>
-              </a:ext>
-            </a:extLst>
-          </p:cNvPr>
+          <p:cNvPr id="8" name="Group 7"/>
           <p:cNvGrpSpPr/>
           <p:nvPr/>
         </p:nvGrpSpPr>
@@ -6276,13 +5969,7 @@
         </p:grpSpPr>
         <p:sp>
           <p:nvSpPr>
-            <p:cNvPr id="4" name="Rectangle: Rounded Corners 3">
-              <a:extLst>
-                <a:ext uri="{FF2B5EF4-FFF2-40B4-BE49-F238E27FC236}">
-                  <a16:creationId xmlns:a16="http://schemas.microsoft.com/office/drawing/2014/main" id="{220CA680-C158-5902-8B68-F607D3BEA04F}"/>
-                </a:ext>
-              </a:extLst>
-            </p:cNvPr>
+            <p:cNvPr id="4" name="Rectangle: Rounded Corners 3"/>
             <p:cNvSpPr/>
             <p:nvPr/>
           </p:nvSpPr>
@@ -6330,13 +6017,7 @@
         </p:sp>
         <p:sp>
           <p:nvSpPr>
-            <p:cNvPr id="5" name="Oval 4">
-              <a:extLst>
-                <a:ext uri="{FF2B5EF4-FFF2-40B4-BE49-F238E27FC236}">
-                  <a16:creationId xmlns:a16="http://schemas.microsoft.com/office/drawing/2014/main" id="{93C0FEEC-7075-BD0F-EAA3-4E7FB899CCAB}"/>
-                </a:ext>
-              </a:extLst>
-            </p:cNvPr>
+            <p:cNvPr id="5" name="Oval 4"/>
             <p:cNvSpPr/>
             <p:nvPr/>
           </p:nvSpPr>
@@ -6382,13 +6063,7 @@
         </p:sp>
         <p:sp>
           <p:nvSpPr>
-            <p:cNvPr id="6" name="Oval 5">
-              <a:extLst>
-                <a:ext uri="{FF2B5EF4-FFF2-40B4-BE49-F238E27FC236}">
-                  <a16:creationId xmlns:a16="http://schemas.microsoft.com/office/drawing/2014/main" id="{1D9D771C-CE6D-267C-283D-15FEC98EBA36}"/>
-                </a:ext>
-              </a:extLst>
-            </p:cNvPr>
+            <p:cNvPr id="6" name="Oval 5"/>
             <p:cNvSpPr/>
             <p:nvPr/>
           </p:nvSpPr>
@@ -6434,13 +6109,7 @@
         </p:sp>
         <p:sp>
           <p:nvSpPr>
-            <p:cNvPr id="7" name="Oval 6">
-              <a:extLst>
-                <a:ext uri="{FF2B5EF4-FFF2-40B4-BE49-F238E27FC236}">
-                  <a16:creationId xmlns:a16="http://schemas.microsoft.com/office/drawing/2014/main" id="{30DBEC87-9CD7-C654-BF0B-FBA7A880BA3F}"/>
-                </a:ext>
-              </a:extLst>
-            </p:cNvPr>
+            <p:cNvPr id="7" name="Oval 6"/>
             <p:cNvSpPr/>
             <p:nvPr/>
           </p:nvSpPr>
@@ -6487,20 +6156,14 @@
       </p:grpSp>
       <p:pic>
         <p:nvPicPr>
-          <p:cNvPr id="3" name="Picture 2">
-            <a:extLst>
-              <a:ext uri="{FF2B5EF4-FFF2-40B4-BE49-F238E27FC236}">
-                <a16:creationId xmlns:a16="http://schemas.microsoft.com/office/drawing/2014/main" id="{AFC74728-8E5D-5986-5F55-E602B23024EA}"/>
-              </a:ext>
-            </a:extLst>
-          </p:cNvPr>
+          <p:cNvPr id="3" name="Picture 2"/>
           <p:cNvPicPr>
             <a:picLocks noChangeAspect="1"/>
           </p:cNvPicPr>
           <p:nvPr/>
         </p:nvPicPr>
         <p:blipFill>
-          <a:blip r:embed="rId2"/>
+          <a:blip r:embed="rId1"/>
           <a:stretch>
             <a:fillRect/>
           </a:stretch>
@@ -6517,13 +6180,7 @@
       </p:pic>
       <p:sp>
         <p:nvSpPr>
-          <p:cNvPr id="12" name="TextBox 11">
-            <a:extLst>
-              <a:ext uri="{FF2B5EF4-FFF2-40B4-BE49-F238E27FC236}">
-                <a16:creationId xmlns:a16="http://schemas.microsoft.com/office/drawing/2014/main" id="{E5B27EAD-ABB6-02F6-6753-AA33371D9BB6}"/>
-              </a:ext>
-            </a:extLst>
-          </p:cNvPr>
+          <p:cNvPr id="12" name="TextBox 11"/>
           <p:cNvSpPr txBox="1"/>
           <p:nvPr/>
         </p:nvSpPr>
@@ -6553,19 +6210,32 @@
               </a:rPr>
               <a:t>DATA STRUCTURE</a:t>
             </a:r>
+            <a:endParaRPr lang="en-US" sz="4000" b="1">
+              <a:solidFill>
+                <a:srgbClr val="AA72D4"/>
+              </a:solidFill>
+              <a:latin typeface="Consolas" panose="020B0609020204030204" pitchFamily="49" charset="0"/>
+            </a:endParaRPr>
           </a:p>
         </p:txBody>
       </p:sp>
     </p:spTree>
-    <p:extLst>
-      <p:ext uri="{BB962C8B-B14F-4D97-AF65-F5344CB8AC3E}">
-        <p14:creationId xmlns:p14="http://schemas.microsoft.com/office/powerpoint/2010/main" val="1188899687"/>
-      </p:ext>
-    </p:extLst>
   </p:cSld>
   <p:clrMapOvr>
     <a:masterClrMapping/>
   </p:clrMapOvr>
+  <mc:AlternateContent xmlns:mc="http://schemas.openxmlformats.org/markup-compatibility/2006">
+    <mc:Choice xmlns:p14="http://schemas.microsoft.com/office/powerpoint/2010/main" Requires="p14">
+      <p:transition spd="slow" p14:dur="1000">
+        <p:push dir="u"/>
+      </p:transition>
+    </mc:Choice>
+    <mc:Fallback>
+      <p:transition spd="slow">
+        <p:push dir="u"/>
+      </p:transition>
+    </mc:Fallback>
+  </mc:AlternateContent>
 </p:sld>
 </file>
 
@@ -6588,13 +6258,7 @@
       </p:grpSpPr>
       <p:grpSp>
         <p:nvGrpSpPr>
-          <p:cNvPr id="8" name="Group 7">
-            <a:extLst>
-              <a:ext uri="{FF2B5EF4-FFF2-40B4-BE49-F238E27FC236}">
-                <a16:creationId xmlns:a16="http://schemas.microsoft.com/office/drawing/2014/main" id="{0F855E70-DAF5-A74B-866B-A73AEFA7922D}"/>
-              </a:ext>
-            </a:extLst>
-          </p:cNvPr>
+          <p:cNvPr id="8" name="Group 7"/>
           <p:cNvGrpSpPr/>
           <p:nvPr/>
         </p:nvGrpSpPr>
@@ -6608,13 +6272,7 @@
         </p:grpSpPr>
         <p:sp>
           <p:nvSpPr>
-            <p:cNvPr id="4" name="Rectangle: Rounded Corners 3">
-              <a:extLst>
-                <a:ext uri="{FF2B5EF4-FFF2-40B4-BE49-F238E27FC236}">
-                  <a16:creationId xmlns:a16="http://schemas.microsoft.com/office/drawing/2014/main" id="{220CA680-C158-5902-8B68-F607D3BEA04F}"/>
-                </a:ext>
-              </a:extLst>
-            </p:cNvPr>
+            <p:cNvPr id="4" name="Rectangle: Rounded Corners 3"/>
             <p:cNvSpPr/>
             <p:nvPr/>
           </p:nvSpPr>
@@ -6662,13 +6320,7 @@
         </p:sp>
         <p:sp>
           <p:nvSpPr>
-            <p:cNvPr id="5" name="Oval 4">
-              <a:extLst>
-                <a:ext uri="{FF2B5EF4-FFF2-40B4-BE49-F238E27FC236}">
-                  <a16:creationId xmlns:a16="http://schemas.microsoft.com/office/drawing/2014/main" id="{93C0FEEC-7075-BD0F-EAA3-4E7FB899CCAB}"/>
-                </a:ext>
-              </a:extLst>
-            </p:cNvPr>
+            <p:cNvPr id="5" name="Oval 4"/>
             <p:cNvSpPr/>
             <p:nvPr/>
           </p:nvSpPr>
@@ -6714,13 +6366,7 @@
         </p:sp>
         <p:sp>
           <p:nvSpPr>
-            <p:cNvPr id="6" name="Oval 5">
-              <a:extLst>
-                <a:ext uri="{FF2B5EF4-FFF2-40B4-BE49-F238E27FC236}">
-                  <a16:creationId xmlns:a16="http://schemas.microsoft.com/office/drawing/2014/main" id="{1D9D771C-CE6D-267C-283D-15FEC98EBA36}"/>
-                </a:ext>
-              </a:extLst>
-            </p:cNvPr>
+            <p:cNvPr id="6" name="Oval 5"/>
             <p:cNvSpPr/>
             <p:nvPr/>
           </p:nvSpPr>
@@ -6766,13 +6412,7 @@
         </p:sp>
         <p:sp>
           <p:nvSpPr>
-            <p:cNvPr id="7" name="Oval 6">
-              <a:extLst>
-                <a:ext uri="{FF2B5EF4-FFF2-40B4-BE49-F238E27FC236}">
-                  <a16:creationId xmlns:a16="http://schemas.microsoft.com/office/drawing/2014/main" id="{30DBEC87-9CD7-C654-BF0B-FBA7A880BA3F}"/>
-                </a:ext>
-              </a:extLst>
-            </p:cNvPr>
+            <p:cNvPr id="7" name="Oval 6"/>
             <p:cNvSpPr/>
             <p:nvPr/>
           </p:nvSpPr>
@@ -6819,23 +6459,11 @@
       </p:grpSp>
       <p:graphicFrame>
         <p:nvGraphicFramePr>
-          <p:cNvPr id="3" name="Table 8">
-            <a:extLst>
-              <a:ext uri="{FF2B5EF4-FFF2-40B4-BE49-F238E27FC236}">
-                <a16:creationId xmlns:a16="http://schemas.microsoft.com/office/drawing/2014/main" id="{AC91C5ED-E41D-C7D2-A269-EFC866FD008A}"/>
-              </a:ext>
-            </a:extLst>
-          </p:cNvPr>
+          <p:cNvPr id="3" name="Table 8"/>
           <p:cNvGraphicFramePr>
             <a:graphicFrameLocks noGrp="1"/>
           </p:cNvGraphicFramePr>
-          <p:nvPr>
-            <p:extLst>
-              <p:ext uri="{D42A27DB-BD31-4B8C-83A1-F6EECF244321}">
-                <p14:modId xmlns:p14="http://schemas.microsoft.com/office/powerpoint/2010/main" val="3385811741"/>
-              </p:ext>
-            </p:extLst>
-          </p:nvPr>
+          <p:nvPr/>
         </p:nvGraphicFramePr>
         <p:xfrm>
           <a:off x="980388" y="1929259"/>
@@ -6848,34 +6476,10 @@
                 <a:tableStyleId>{5C22544A-7EE6-4342-B048-85BDC9FD1C3A}</a:tableStyleId>
               </a:tblPr>
               <a:tblGrid>
-                <a:gridCol w="2566004">
-                  <a:extLst>
-                    <a:ext uri="{9D8B030D-6E8A-4147-A177-3AD203B41FA5}">
-                      <a16:colId xmlns:a16="http://schemas.microsoft.com/office/drawing/2014/main" val="364272539"/>
-                    </a:ext>
-                  </a:extLst>
-                </a:gridCol>
-                <a:gridCol w="2566004">
-                  <a:extLst>
-                    <a:ext uri="{9D8B030D-6E8A-4147-A177-3AD203B41FA5}">
-                      <a16:colId xmlns:a16="http://schemas.microsoft.com/office/drawing/2014/main" val="3015972336"/>
-                    </a:ext>
-                  </a:extLst>
-                </a:gridCol>
-                <a:gridCol w="2566004">
-                  <a:extLst>
-                    <a:ext uri="{9D8B030D-6E8A-4147-A177-3AD203B41FA5}">
-                      <a16:colId xmlns:a16="http://schemas.microsoft.com/office/drawing/2014/main" val="1885907558"/>
-                    </a:ext>
-                  </a:extLst>
-                </a:gridCol>
-                <a:gridCol w="2566004">
-                  <a:extLst>
-                    <a:ext uri="{9D8B030D-6E8A-4147-A177-3AD203B41FA5}">
-                      <a16:colId xmlns:a16="http://schemas.microsoft.com/office/drawing/2014/main" val="2643958809"/>
-                    </a:ext>
-                  </a:extLst>
-                </a:gridCol>
+                <a:gridCol w="2566004"/>
+                <a:gridCol w="2566004"/>
+                <a:gridCol w="2566004"/>
+                <a:gridCol w="2566004"/>
               </a:tblGrid>
               <a:tr h="389439">
                 <a:tc>
@@ -7146,11 +6750,6 @@
                     </a:solidFill>
                   </a:tcPr>
                 </a:tc>
-                <a:extLst>
-                  <a:ext uri="{0D108BD9-81ED-4DB2-BD59-A6C34878D82A}">
-                    <a16:rowId xmlns:a16="http://schemas.microsoft.com/office/drawing/2014/main" val="1393693447"/>
-                  </a:ext>
-                </a:extLst>
               </a:tr>
               <a:tr h="529561">
                 <a:tc>
@@ -7176,6 +6775,12 @@
                         </a:rPr>
                         <a:t>Full Bus and Bus Type CRUD.</a:t>
                       </a:r>
+                      <a:endParaRPr lang="en-US" sz="1100" b="0" i="0" u="none" strike="noStrike" noProof="0">
+                        <a:solidFill>
+                          <a:schemeClr val="bg1"/>
+                        </a:solidFill>
+                        <a:latin typeface="Consolas" panose="020B0609020204030204" pitchFamily="49" charset="0"/>
+                      </a:endParaRPr>
                     </a:p>
                     <a:p>
                       <a:pPr lvl="0">
@@ -7196,6 +6801,12 @@
                         </a:rPr>
                         <a:t>Full Schedule/Trip CRUD, able to assign Driver and Bus for each Schedule/Trip.</a:t>
                       </a:r>
+                      <a:endParaRPr lang="en-US" sz="1100" b="0" i="0" u="none" strike="noStrike" noProof="0">
+                        <a:solidFill>
+                          <a:schemeClr val="bg1"/>
+                        </a:solidFill>
+                        <a:latin typeface="Consolas" panose="020B0609020204030204" pitchFamily="49" charset="0"/>
+                      </a:endParaRPr>
                     </a:p>
                     <a:p>
                       <a:pPr lvl="0">
@@ -7216,6 +6827,12 @@
                         </a:rPr>
                         <a:t>Full Discount/Offer Code CRUD.</a:t>
                       </a:r>
+                      <a:endParaRPr lang="en-US" sz="1100" b="0" i="0" u="none" strike="noStrike" noProof="0">
+                        <a:solidFill>
+                          <a:schemeClr val="bg1"/>
+                        </a:solidFill>
+                        <a:latin typeface="Consolas" panose="020B0609020204030204" pitchFamily="49" charset="0"/>
+                      </a:endParaRPr>
                     </a:p>
                     <a:p>
                       <a:pPr lvl="0">
@@ -7236,6 +6853,12 @@
                         </a:rPr>
                         <a:t>Seat selecting for each type of bus.</a:t>
                       </a:r>
+                      <a:endParaRPr lang="en-US" sz="1100" b="0" i="0" u="none" strike="noStrike" noProof="0">
+                        <a:solidFill>
+                          <a:schemeClr val="bg1"/>
+                        </a:solidFill>
+                        <a:latin typeface="Consolas" panose="020B0609020204030204" pitchFamily="49" charset="0"/>
+                      </a:endParaRPr>
                     </a:p>
                     <a:p>
                       <a:pPr lvl="0">
@@ -7256,6 +6879,12 @@
                         </a:rPr>
                         <a:t>Order confirmation, can apply discount by age and code.</a:t>
                       </a:r>
+                      <a:endParaRPr lang="en-US" sz="1100" b="0" i="0" u="none" strike="noStrike" noProof="0">
+                        <a:solidFill>
+                          <a:schemeClr val="bg1"/>
+                        </a:solidFill>
+                        <a:latin typeface="Consolas" panose="020B0609020204030204" pitchFamily="49" charset="0"/>
+                      </a:endParaRPr>
                     </a:p>
                     <a:p>
                       <a:pPr lvl="0">
@@ -7276,6 +6905,12 @@
                         </a:rPr>
                         <a:t>Send ticket by email with QR Code.</a:t>
                       </a:r>
+                      <a:endParaRPr lang="en-US" sz="1100" b="0" i="0" u="none" strike="noStrike" noProof="0">
+                        <a:solidFill>
+                          <a:schemeClr val="bg1"/>
+                        </a:solidFill>
+                        <a:latin typeface="Consolas" panose="020B0609020204030204" pitchFamily="49" charset="0"/>
+                      </a:endParaRPr>
                     </a:p>
                     <a:p>
                       <a:pPr lvl="0">
@@ -7296,6 +6931,12 @@
                         </a:rPr>
                         <a:t>Cancel ticket and get refund.</a:t>
                       </a:r>
+                      <a:endParaRPr lang="en-US" sz="1100">
+                        <a:solidFill>
+                          <a:schemeClr val="bg1"/>
+                        </a:solidFill>
+                        <a:latin typeface="Consolas" panose="020B0609020204030204" pitchFamily="49" charset="0"/>
+                      </a:endParaRPr>
                     </a:p>
                     <a:p>
                       <a:pPr lvl="0">
@@ -7387,6 +7028,12 @@
                         </a:rPr>
                         <a:t>Search for schedule/trip</a:t>
                       </a:r>
+                      <a:endParaRPr lang="en-US" sz="1100" b="0" i="0" u="none" strike="noStrike" noProof="0">
+                        <a:solidFill>
+                          <a:schemeClr val="bg1"/>
+                        </a:solidFill>
+                        <a:latin typeface="Consolas" panose="020B0609020204030204" pitchFamily="49" charset="0"/>
+                      </a:endParaRPr>
                     </a:p>
                     <a:p>
                       <a:pPr lvl="0">
@@ -7407,6 +7054,12 @@
                         </a:rPr>
                         <a:t>Sort and filter the schedule/trip by price, bus type, time…</a:t>
                       </a:r>
+                      <a:endParaRPr lang="en-US" sz="1100" b="0" i="0" u="none" strike="noStrike" noProof="0">
+                        <a:solidFill>
+                          <a:schemeClr val="bg1"/>
+                        </a:solidFill>
+                        <a:latin typeface="Consolas" panose="020B0609020204030204" pitchFamily="49" charset="0"/>
+                      </a:endParaRPr>
                     </a:p>
                     <a:p>
                       <a:pPr lvl="0">
@@ -7427,6 +7080,12 @@
                         </a:rPr>
                         <a:t>Full User CRUD, update profile and role.</a:t>
                       </a:r>
+                      <a:endParaRPr lang="en-US" sz="1100" b="0" i="0" u="none" strike="noStrike" noProof="0">
+                        <a:solidFill>
+                          <a:schemeClr val="bg1"/>
+                        </a:solidFill>
+                        <a:latin typeface="Consolas" panose="020B0609020204030204" pitchFamily="49" charset="0"/>
+                      </a:endParaRPr>
                     </a:p>
                     <a:p>
                       <a:pPr lvl="0">
@@ -7447,6 +7106,12 @@
                         </a:rPr>
                         <a:t>Full News CRUD, </a:t>
                       </a:r>
+                      <a:endParaRPr lang="en-US" sz="1100" b="0" i="0" u="none" strike="noStrike" noProof="0">
+                        <a:solidFill>
+                          <a:schemeClr val="bg1"/>
+                        </a:solidFill>
+                        <a:latin typeface="Consolas" panose="020B0609020204030204" pitchFamily="49" charset="0"/>
+                      </a:endParaRPr>
                     </a:p>
                     <a:p>
                       <a:pPr lvl="0">
@@ -7467,6 +7132,12 @@
                         </a:rPr>
                         <a:t>Full Comment CRUD belong to each news.</a:t>
                       </a:r>
+                      <a:endParaRPr lang="en-US" sz="1100" b="0" i="0" u="none" strike="noStrike" noProof="0">
+                        <a:solidFill>
+                          <a:schemeClr val="bg1"/>
+                        </a:solidFill>
+                        <a:latin typeface="Consolas" panose="020B0609020204030204" pitchFamily="49" charset="0"/>
+                      </a:endParaRPr>
                     </a:p>
                     <a:p>
                       <a:pPr lvl="0">
@@ -7549,6 +7220,12 @@
                         </a:rPr>
                         <a:t>User Login/Logout, Register, Forget Passwod (send email).</a:t>
                       </a:r>
+                      <a:endParaRPr lang="en-US" sz="1100">
+                        <a:solidFill>
+                          <a:schemeClr val="bg1"/>
+                        </a:solidFill>
+                        <a:latin typeface="Consolas" panose="020B0609020204030204" pitchFamily="49" charset="0"/>
+                      </a:endParaRPr>
                     </a:p>
                     <a:p>
                       <a:pPr marL="0" marR="0" lvl="0" indent="0" algn="l" defTabSz="914400" rtl="0" eaLnBrk="1" fontAlgn="auto" latinLnBrk="0" hangingPunct="1">
@@ -7565,7 +7242,6 @@
                         <a:buSzTx/>
                         <a:buFontTx/>
                         <a:buNone/>
-                        <a:tabLst/>
                         <a:defRPr/>
                       </a:pPr>
                       <a:r>
@@ -7603,6 +7279,12 @@
                         </a:rPr>
                         <a:t>Authentication, encrypt password.</a:t>
                       </a:r>
+                      <a:endParaRPr lang="en-US" sz="1100">
+                        <a:solidFill>
+                          <a:schemeClr val="bg1"/>
+                        </a:solidFill>
+                        <a:latin typeface="Consolas" panose="020B0609020204030204" pitchFamily="49" charset="0"/>
+                      </a:endParaRPr>
                     </a:p>
                     <a:p>
                       <a:pPr lvl="0">
@@ -7623,6 +7305,12 @@
                         </a:rPr>
                         <a:t>Driver tracking schedule/trip under their assignment.</a:t>
                       </a:r>
+                      <a:endParaRPr lang="en-US" sz="1100">
+                        <a:solidFill>
+                          <a:schemeClr val="bg1"/>
+                        </a:solidFill>
+                        <a:latin typeface="Consolas" panose="020B0609020204030204" pitchFamily="49" charset="0"/>
+                      </a:endParaRPr>
                     </a:p>
                     <a:p>
                       <a:pPr lvl="0">
@@ -7643,6 +7331,12 @@
                         </a:rPr>
                         <a:t>Driver update profile.</a:t>
                       </a:r>
+                      <a:endParaRPr lang="en-US" sz="1100">
+                        <a:solidFill>
+                          <a:schemeClr val="bg1"/>
+                        </a:solidFill>
+                        <a:latin typeface="Consolas" panose="020B0609020204030204" pitchFamily="49" charset="0"/>
+                      </a:endParaRPr>
                     </a:p>
                     <a:p>
                       <a:pPr lvl="0">
@@ -7734,6 +7428,12 @@
                         </a:rPr>
                         <a:t>Full Frequency Asked Question CRUD.</a:t>
                       </a:r>
+                      <a:endParaRPr lang="en-US" sz="1100" b="0" i="0" u="none" strike="noStrike" noProof="0">
+                        <a:solidFill>
+                          <a:schemeClr val="bg1"/>
+                        </a:solidFill>
+                        <a:latin typeface="Consolas" panose="020B0609020204030204" pitchFamily="49" charset="0"/>
+                      </a:endParaRPr>
                     </a:p>
                     <a:p>
                       <a:pPr lvl="0">
@@ -7754,6 +7454,12 @@
                         </a:rPr>
                         <a:t>Full Popular routes features CRUD and automatic find lowest price of each route.</a:t>
                       </a:r>
+                      <a:endParaRPr lang="en-US" sz="1100" b="0" i="0" u="none" strike="noStrike" noProof="0">
+                        <a:solidFill>
+                          <a:schemeClr val="bg1"/>
+                        </a:solidFill>
+                        <a:latin typeface="Consolas" panose="020B0609020204030204" pitchFamily="49" charset="0"/>
+                      </a:endParaRPr>
                     </a:p>
                     <a:p>
                       <a:pPr lvl="0">
@@ -7774,6 +7480,12 @@
                         </a:rPr>
                         <a:t>Full Station CRUD.</a:t>
                       </a:r>
+                      <a:endParaRPr lang="en-US" sz="1100" b="0" i="0" u="none" strike="noStrike" noProof="0">
+                        <a:solidFill>
+                          <a:schemeClr val="bg1"/>
+                        </a:solidFill>
+                        <a:latin typeface="Consolas" panose="020B0609020204030204" pitchFamily="49" charset="0"/>
+                      </a:endParaRPr>
                     </a:p>
                     <a:p>
                       <a:pPr lvl="0">
@@ -7842,11 +7554,6 @@
                     <a:noFill/>
                   </a:tcPr>
                 </a:tc>
-                <a:extLst>
-                  <a:ext uri="{0D108BD9-81ED-4DB2-BD59-A6C34878D82A}">
-                    <a16:rowId xmlns:a16="http://schemas.microsoft.com/office/drawing/2014/main" val="1607072749"/>
-                  </a:ext>
-                </a:extLst>
               </a:tr>
             </a:tbl>
           </a:graphicData>
@@ -7854,13 +7561,7 @@
       </p:graphicFrame>
       <p:sp>
         <p:nvSpPr>
-          <p:cNvPr id="2" name="TextBox 1">
-            <a:extLst>
-              <a:ext uri="{FF2B5EF4-FFF2-40B4-BE49-F238E27FC236}">
-                <a16:creationId xmlns:a16="http://schemas.microsoft.com/office/drawing/2014/main" id="{DD334F50-8214-60EC-EBA5-1970FB44FC3D}"/>
-              </a:ext>
-            </a:extLst>
-          </p:cNvPr>
+          <p:cNvPr id="2" name="TextBox 1"/>
           <p:cNvSpPr txBox="1"/>
           <p:nvPr/>
         </p:nvSpPr>
@@ -7890,19 +7591,32 @@
               </a:rPr>
               <a:t>TASK ASSIGNMENT</a:t>
             </a:r>
+            <a:endParaRPr lang="en-US" sz="4000" b="1">
+              <a:solidFill>
+                <a:srgbClr val="AA72D4"/>
+              </a:solidFill>
+              <a:latin typeface="Consolas" panose="020B0609020204030204" pitchFamily="49" charset="0"/>
+            </a:endParaRPr>
           </a:p>
         </p:txBody>
       </p:sp>
     </p:spTree>
-    <p:extLst>
-      <p:ext uri="{BB962C8B-B14F-4D97-AF65-F5344CB8AC3E}">
-        <p14:creationId xmlns:p14="http://schemas.microsoft.com/office/powerpoint/2010/main" val="1701901376"/>
-      </p:ext>
-    </p:extLst>
   </p:cSld>
   <p:clrMapOvr>
     <a:masterClrMapping/>
   </p:clrMapOvr>
+  <mc:AlternateContent xmlns:mc="http://schemas.openxmlformats.org/markup-compatibility/2006">
+    <mc:Choice xmlns:p14="http://schemas.microsoft.com/office/powerpoint/2010/main" Requires="p14">
+      <p:transition spd="slow" p14:dur="1000">
+        <p:push dir="u"/>
+      </p:transition>
+    </mc:Choice>
+    <mc:Fallback>
+      <p:transition spd="slow">
+        <p:push dir="u"/>
+      </p:transition>
+    </mc:Fallback>
+  </mc:AlternateContent>
 </p:sld>
 </file>
 
@@ -7925,13 +7639,7 @@
       </p:grpSpPr>
       <p:grpSp>
         <p:nvGrpSpPr>
-          <p:cNvPr id="8" name="Group 7">
-            <a:extLst>
-              <a:ext uri="{FF2B5EF4-FFF2-40B4-BE49-F238E27FC236}">
-                <a16:creationId xmlns:a16="http://schemas.microsoft.com/office/drawing/2014/main" id="{0F855E70-DAF5-A74B-866B-A73AEFA7922D}"/>
-              </a:ext>
-            </a:extLst>
-          </p:cNvPr>
+          <p:cNvPr id="8" name="Group 7"/>
           <p:cNvGrpSpPr/>
           <p:nvPr/>
         </p:nvGrpSpPr>
@@ -7945,13 +7653,7 @@
         </p:grpSpPr>
         <p:sp>
           <p:nvSpPr>
-            <p:cNvPr id="4" name="Rectangle: Rounded Corners 3">
-              <a:extLst>
-                <a:ext uri="{FF2B5EF4-FFF2-40B4-BE49-F238E27FC236}">
-                  <a16:creationId xmlns:a16="http://schemas.microsoft.com/office/drawing/2014/main" id="{220CA680-C158-5902-8B68-F607D3BEA04F}"/>
-                </a:ext>
-              </a:extLst>
-            </p:cNvPr>
+            <p:cNvPr id="4" name="Rectangle: Rounded Corners 3"/>
             <p:cNvSpPr/>
             <p:nvPr/>
           </p:nvSpPr>
@@ -7999,13 +7701,7 @@
         </p:sp>
         <p:sp>
           <p:nvSpPr>
-            <p:cNvPr id="5" name="Oval 4">
-              <a:extLst>
-                <a:ext uri="{FF2B5EF4-FFF2-40B4-BE49-F238E27FC236}">
-                  <a16:creationId xmlns:a16="http://schemas.microsoft.com/office/drawing/2014/main" id="{93C0FEEC-7075-BD0F-EAA3-4E7FB899CCAB}"/>
-                </a:ext>
-              </a:extLst>
-            </p:cNvPr>
+            <p:cNvPr id="5" name="Oval 4"/>
             <p:cNvSpPr/>
             <p:nvPr/>
           </p:nvSpPr>
@@ -8051,13 +7747,7 @@
         </p:sp>
         <p:sp>
           <p:nvSpPr>
-            <p:cNvPr id="6" name="Oval 5">
-              <a:extLst>
-                <a:ext uri="{FF2B5EF4-FFF2-40B4-BE49-F238E27FC236}">
-                  <a16:creationId xmlns:a16="http://schemas.microsoft.com/office/drawing/2014/main" id="{1D9D771C-CE6D-267C-283D-15FEC98EBA36}"/>
-                </a:ext>
-              </a:extLst>
-            </p:cNvPr>
+            <p:cNvPr id="6" name="Oval 5"/>
             <p:cNvSpPr/>
             <p:nvPr/>
           </p:nvSpPr>
@@ -8103,13 +7793,7 @@
         </p:sp>
         <p:sp>
           <p:nvSpPr>
-            <p:cNvPr id="7" name="Oval 6">
-              <a:extLst>
-                <a:ext uri="{FF2B5EF4-FFF2-40B4-BE49-F238E27FC236}">
-                  <a16:creationId xmlns:a16="http://schemas.microsoft.com/office/drawing/2014/main" id="{30DBEC87-9CD7-C654-BF0B-FBA7A880BA3F}"/>
-                </a:ext>
-              </a:extLst>
-            </p:cNvPr>
+            <p:cNvPr id="7" name="Oval 6"/>
             <p:cNvSpPr/>
             <p:nvPr/>
           </p:nvSpPr>
@@ -8156,13 +7840,7 @@
       </p:grpSp>
       <p:sp>
         <p:nvSpPr>
-          <p:cNvPr id="3" name="TextBox 2">
-            <a:extLst>
-              <a:ext uri="{FF2B5EF4-FFF2-40B4-BE49-F238E27FC236}">
-                <a16:creationId xmlns:a16="http://schemas.microsoft.com/office/drawing/2014/main" id="{BEFC6E93-0BC6-5129-1ECD-453308618401}"/>
-              </a:ext>
-            </a:extLst>
-          </p:cNvPr>
+          <p:cNvPr id="3" name="TextBox 2"/>
           <p:cNvSpPr txBox="1"/>
           <p:nvPr/>
         </p:nvSpPr>
@@ -8192,19 +7870,32 @@
               </a:rPr>
               <a:t>Thank you very much!</a:t>
             </a:r>
+            <a:endParaRPr lang="en-US" sz="6000">
+              <a:solidFill>
+                <a:srgbClr val="AA72D4"/>
+              </a:solidFill>
+              <a:latin typeface="Consolas" panose="020B0609020204030204" pitchFamily="49" charset="0"/>
+            </a:endParaRPr>
           </a:p>
         </p:txBody>
       </p:sp>
     </p:spTree>
-    <p:extLst>
-      <p:ext uri="{BB962C8B-B14F-4D97-AF65-F5344CB8AC3E}">
-        <p14:creationId xmlns:p14="http://schemas.microsoft.com/office/powerpoint/2010/main" val="2039419545"/>
-      </p:ext>
-    </p:extLst>
   </p:cSld>
   <p:clrMapOvr>
     <a:masterClrMapping/>
   </p:clrMapOvr>
+  <mc:AlternateContent xmlns:mc="http://schemas.openxmlformats.org/markup-compatibility/2006">
+    <mc:Choice xmlns:p14="http://schemas.microsoft.com/office/powerpoint/2010/main" Requires="p14">
+      <p:transition spd="slow" p14:dur="1000">
+        <p:push dir="u"/>
+      </p:transition>
+    </mc:Choice>
+    <mc:Fallback>
+      <p:transition spd="slow">
+        <p:push dir="u"/>
+      </p:transition>
+    </mc:Fallback>
+  </mc:AlternateContent>
 </p:sld>
 </file>
 
@@ -8251,7 +7942,7 @@
     </a:clrScheme>
     <a:fontScheme name="Office">
       <a:majorFont>
-        <a:latin typeface="Calibri Light" panose="020F0302020204030204"/>
+        <a:latin typeface="Calibri Light"/>
         <a:ea typeface=""/>
         <a:cs typeface=""/>
         <a:font script="Jpan" typeface="游ゴシック Light"/>
@@ -8284,26 +7975,9 @@
         <a:font script="Viet" typeface="Times New Roman"/>
         <a:font script="Uigh" typeface="Microsoft Uighur"/>
         <a:font script="Geor" typeface="Sylfaen"/>
-        <a:font script="Armn" typeface="Arial"/>
-        <a:font script="Bugi" typeface="Leelawadee UI"/>
-        <a:font script="Bopo" typeface="Microsoft JhengHei"/>
-        <a:font script="Java" typeface="Javanese Text"/>
-        <a:font script="Lisu" typeface="Segoe UI"/>
-        <a:font script="Mymr" typeface="Myanmar Text"/>
-        <a:font script="Nkoo" typeface="Ebrima"/>
-        <a:font script="Olck" typeface="Nirmala UI"/>
-        <a:font script="Osma" typeface="Ebrima"/>
-        <a:font script="Phag" typeface="Phagspa"/>
-        <a:font script="Syrn" typeface="Estrangelo Edessa"/>
-        <a:font script="Syrj" typeface="Estrangelo Edessa"/>
-        <a:font script="Syre" typeface="Estrangelo Edessa"/>
-        <a:font script="Sora" typeface="Nirmala UI"/>
-        <a:font script="Tale" typeface="Microsoft Tai Le"/>
-        <a:font script="Talu" typeface="Microsoft New Tai Lue"/>
-        <a:font script="Tfng" typeface="Ebrima"/>
       </a:majorFont>
       <a:minorFont>
-        <a:latin typeface="Calibri" panose="020F0502020204030204"/>
+        <a:latin typeface="Calibri"/>
         <a:ea typeface=""/>
         <a:cs typeface=""/>
         <a:font script="Jpan" typeface="游ゴシック"/>
@@ -8336,23 +8010,6 @@
         <a:font script="Viet" typeface="Arial"/>
         <a:font script="Uigh" typeface="Microsoft Uighur"/>
         <a:font script="Geor" typeface="Sylfaen"/>
-        <a:font script="Armn" typeface="Arial"/>
-        <a:font script="Bugi" typeface="Leelawadee UI"/>
-        <a:font script="Bopo" typeface="Microsoft JhengHei"/>
-        <a:font script="Java" typeface="Javanese Text"/>
-        <a:font script="Lisu" typeface="Segoe UI"/>
-        <a:font script="Mymr" typeface="Myanmar Text"/>
-        <a:font script="Nkoo" typeface="Ebrima"/>
-        <a:font script="Olck" typeface="Nirmala UI"/>
-        <a:font script="Osma" typeface="Ebrima"/>
-        <a:font script="Phag" typeface="Phagspa"/>
-        <a:font script="Syrn" typeface="Estrangelo Edessa"/>
-        <a:font script="Syrj" typeface="Estrangelo Edessa"/>
-        <a:font script="Syre" typeface="Estrangelo Edessa"/>
-        <a:font script="Sora" typeface="Nirmala UI"/>
-        <a:font script="Tale" typeface="Microsoft Tai Le"/>
-        <a:font script="Talu" typeface="Microsoft New Tai Lue"/>
-        <a:font script="Tfng" typeface="Ebrima"/>
       </a:minorFont>
     </a:fontScheme>
     <a:fmtScheme name="Office">
@@ -8493,8 +8150,6 @@
       </a:bgFillStyleLst>
     </a:fmtScheme>
   </a:themeElements>
-  <a:objectDefaults/>
-  <a:extraClrSchemeLst/>
   <a:extLst>
     <a:ext uri="{05A4C25C-085E-4340-85A3-A5531E510DB2}">
       <thm15:themeFamily xmlns:thm15="http://schemas.microsoft.com/office/thememl/2012/main" name="Office Theme" id="{62F939B6-93AF-4DB8-9C6B-D6C7DFDC589F}" vid="{4A3C46E8-61CC-4603-A589-7422A47A8E4A}"/>
@@ -8546,7 +8201,7 @@
     </a:clrScheme>
     <a:fontScheme name="Office">
       <a:majorFont>
-        <a:latin typeface="Calibri Light" panose="020F0302020204030204"/>
+        <a:latin typeface="Calibri Light"/>
         <a:ea typeface=""/>
         <a:cs typeface=""/>
         <a:font script="Jpan" typeface="游ゴシック Light"/>
@@ -8579,26 +8234,9 @@
         <a:font script="Viet" typeface="Times New Roman"/>
         <a:font script="Uigh" typeface="Microsoft Uighur"/>
         <a:font script="Geor" typeface="Sylfaen"/>
-        <a:font script="Armn" typeface="Arial"/>
-        <a:font script="Bugi" typeface="Leelawadee UI"/>
-        <a:font script="Bopo" typeface="Microsoft JhengHei"/>
-        <a:font script="Java" typeface="Javanese Text"/>
-        <a:font script="Lisu" typeface="Segoe UI"/>
-        <a:font script="Mymr" typeface="Myanmar Text"/>
-        <a:font script="Nkoo" typeface="Ebrima"/>
-        <a:font script="Olck" typeface="Nirmala UI"/>
-        <a:font script="Osma" typeface="Ebrima"/>
-        <a:font script="Phag" typeface="Phagspa"/>
-        <a:font script="Syrn" typeface="Estrangelo Edessa"/>
-        <a:font script="Syrj" typeface="Estrangelo Edessa"/>
-        <a:font script="Syre" typeface="Estrangelo Edessa"/>
-        <a:font script="Sora" typeface="Nirmala UI"/>
-        <a:font script="Tale" typeface="Microsoft Tai Le"/>
-        <a:font script="Talu" typeface="Microsoft New Tai Lue"/>
-        <a:font script="Tfng" typeface="Ebrima"/>
       </a:majorFont>
       <a:minorFont>
-        <a:latin typeface="Calibri" panose="020F0502020204030204"/>
+        <a:latin typeface="Calibri"/>
         <a:ea typeface=""/>
         <a:cs typeface=""/>
         <a:font script="Jpan" typeface="游ゴシック"/>
@@ -8631,23 +8269,6 @@
         <a:font script="Viet" typeface="Arial"/>
         <a:font script="Uigh" typeface="Microsoft Uighur"/>
         <a:font script="Geor" typeface="Sylfaen"/>
-        <a:font script="Armn" typeface="Arial"/>
-        <a:font script="Bugi" typeface="Leelawadee UI"/>
-        <a:font script="Bopo" typeface="Microsoft JhengHei"/>
-        <a:font script="Java" typeface="Javanese Text"/>
-        <a:font script="Lisu" typeface="Segoe UI"/>
-        <a:font script="Mymr" typeface="Myanmar Text"/>
-        <a:font script="Nkoo" typeface="Ebrima"/>
-        <a:font script="Olck" typeface="Nirmala UI"/>
-        <a:font script="Osma" typeface="Ebrima"/>
-        <a:font script="Phag" typeface="Phagspa"/>
-        <a:font script="Syrn" typeface="Estrangelo Edessa"/>
-        <a:font script="Syrj" typeface="Estrangelo Edessa"/>
-        <a:font script="Syre" typeface="Estrangelo Edessa"/>
-        <a:font script="Sora" typeface="Nirmala UI"/>
-        <a:font script="Tale" typeface="Microsoft Tai Le"/>
-        <a:font script="Talu" typeface="Microsoft New Tai Lue"/>
-        <a:font script="Tfng" typeface="Ebrima"/>
       </a:minorFont>
     </a:fontScheme>
     <a:fmtScheme name="Office">
@@ -8788,8 +8409,6 @@
       </a:bgFillStyleLst>
     </a:fmtScheme>
   </a:themeElements>
-  <a:objectDefaults/>
-  <a:extraClrSchemeLst/>
   <a:extLst>
     <a:ext uri="{05A4C25C-085E-4340-85A3-A5531E510DB2}">
       <thm15:themeFamily xmlns:thm15="http://schemas.microsoft.com/office/thememl/2012/main" name="Office Theme" id="{62F939B6-93AF-4DB8-9C6B-D6C7DFDC589F}" vid="{4A3C46E8-61CC-4603-A589-7422A47A8E4A}"/>
